--- a/Sec_18/現代の金融政策_18.pptx
+++ b/Sec_18/現代の金融政策_18.pptx
@@ -5,10 +5,10 @@
     <p:sldMasterId id="2147483768" r:id="rId1"/>
   </p:sldMasterIdLst>
   <p:notesMasterIdLst>
-    <p:notesMasterId r:id="rId7"/>
+    <p:notesMasterId r:id="rId11"/>
   </p:notesMasterIdLst>
   <p:handoutMasterIdLst>
-    <p:handoutMasterId r:id="rId8"/>
+    <p:handoutMasterId r:id="rId12"/>
   </p:handoutMasterIdLst>
   <p:sldIdLst>
     <p:sldId id="952" r:id="rId2"/>
@@ -16,6 +16,10 @@
     <p:sldId id="953" r:id="rId4"/>
     <p:sldId id="955" r:id="rId5"/>
     <p:sldId id="956" r:id="rId6"/>
+    <p:sldId id="957" r:id="rId7"/>
+    <p:sldId id="958" r:id="rId8"/>
+    <p:sldId id="959" r:id="rId9"/>
+    <p:sldId id="960" r:id="rId10"/>
   </p:sldIdLst>
   <p:sldSz cx="9144000" cy="6858000" type="screen4x3"/>
   <p:notesSz cx="6858000" cy="9144000"/>
@@ -116,7 +120,7 @@
   </p:defaultTextStyle>
   <p:extLst>
     <p:ext uri="{EFAFB233-063F-42B5-8137-9DF3F51BA10A}">
-      <p15:sldGuideLst xmlns:p15="http://schemas.microsoft.com/office/powerpoint/2012/main">
+      <p15:sldGuideLst xmlns:p15="http://schemas.microsoft.com/office/powerpoint/2012/main" xmlns="">
         <p15:guide id="1" orient="horz" pos="2160" userDrawn="1">
           <p15:clr>
             <a:srgbClr val="A4A3A4"/>
@@ -130,7 +134,7 @@
       </p15:sldGuideLst>
     </p:ext>
     <p:ext uri="{2D200454-40CA-4A62-9FC3-DE9A4176ACB9}">
-      <p15:notesGuideLst xmlns:p15="http://schemas.microsoft.com/office/powerpoint/2012/main"/>
+      <p15:notesGuideLst xmlns:p15="http://schemas.microsoft.com/office/powerpoint/2012/main" xmlns=""/>
     </p:ext>
   </p:extLst>
 </p:presentation>
@@ -216,9 +220,9 @@
             </a:lvl1pPr>
           </a:lstStyle>
           <a:p>
-            <a:fld id="{A129A82B-D943-4F5A-B2A9-8DD739DF3611}" type="datetime1">
+            <a:fld id="{3F136F1A-FE36-4A59-A811-D828BB54BDD2}" type="datetime1">
               <a:rPr kumimoji="1" lang="ja-JP" altLang="en-US" smtClean="0"/>
-              <a:t>2018/7/29</a:t>
+              <a:t>2018/7/30</a:t>
             </a:fld>
             <a:endParaRPr kumimoji="1" lang="ja-JP" altLang="en-US"/>
           </a:p>
@@ -382,9 +386,9 @@
             </a:lvl1pPr>
           </a:lstStyle>
           <a:p>
-            <a:fld id="{0A4ADFE5-5ABA-48FF-9F9D-09D807D5F02F}" type="datetime1">
+            <a:fld id="{226C42E8-005F-46D7-AA53-D596D543FBA7}" type="datetime1">
               <a:rPr kumimoji="1" lang="ja-JP" altLang="en-US" smtClean="0"/>
-              <a:t>2018/7/29</a:t>
+              <a:t>2018/7/30</a:t>
             </a:fld>
             <a:endParaRPr kumimoji="1" lang="ja-JP" altLang="en-US"/>
           </a:p>
@@ -748,9 +752,9 @@
           <a:bodyPr/>
           <a:lstStyle/>
           <a:p>
-            <a:fld id="{3EF227E1-C5EA-4A46-B2B4-8B3E0DA68FAF}" type="datetime1">
+            <a:fld id="{DF70F694-2B18-4509-A853-01A6DE26FB3C}" type="datetime1">
               <a:rPr kumimoji="1" lang="ja-JP" altLang="en-US" smtClean="0"/>
-              <a:t>2018/7/29</a:t>
+              <a:t>2018/7/30</a:t>
             </a:fld>
             <a:endParaRPr kumimoji="1" lang="ja-JP" altLang="en-US"/>
           </a:p>
@@ -1403,7 +1407,7 @@
           <a:p>
             <a:r>
               <a:rPr kumimoji="1" lang="en-US" altLang="ja-JP" smtClean="0"/>
-              <a:t>/5</a:t>
+              <a:t>/9</a:t>
             </a:r>
             <a:endParaRPr kumimoji="1" lang="ja-JP" altLang="en-US" dirty="0"/>
           </a:p>
@@ -1793,7 +1797,7 @@
           <a:p>
             <a:r>
               <a:rPr kumimoji="1" lang="en-US" altLang="ja-JP" smtClean="0"/>
-              <a:t>/5</a:t>
+              <a:t>/9</a:t>
             </a:r>
             <a:endParaRPr kumimoji="1" lang="ja-JP" altLang="en-US" dirty="0"/>
           </a:p>
@@ -2285,7 +2289,7 @@
           <a:p>
             <a:r>
               <a:rPr kumimoji="1" lang="en-US" altLang="ja-JP" smtClean="0"/>
-              <a:t>/5</a:t>
+              <a:t>/9</a:t>
             </a:r>
             <a:endParaRPr kumimoji="1" lang="ja-JP" altLang="en-US"/>
           </a:p>
@@ -3227,7 +3231,7 @@
           <a:p>
             <a:r>
               <a:rPr kumimoji="1" lang="en-US" altLang="ja-JP" smtClean="0"/>
-              <a:t>/5</a:t>
+              <a:t>/9</a:t>
             </a:r>
             <a:endParaRPr kumimoji="1" lang="ja-JP" altLang="en-US"/>
           </a:p>
@@ -4148,13 +4152,18 @@
           </a:lstStyle>
           <a:p>
             <a:r>
-              <a:rPr lang="en-US" altLang="ja-JP" sz="2000" b="0" dirty="0" smtClean="0">
+              <a:rPr lang="en-US" altLang="ja-JP" sz="2000" b="0" smtClean="0">
                 <a:solidFill>
                   <a:schemeClr val="tx1"/>
                 </a:solidFill>
               </a:rPr>
-              <a:t>2018/6/18</a:t>
-            </a:r>
+              <a:t>2018/7/30</a:t>
+            </a:r>
+            <a:endParaRPr lang="en-US" altLang="ja-JP" sz="2000" b="0" dirty="0" smtClean="0">
+              <a:solidFill>
+                <a:schemeClr val="tx1"/>
+              </a:solidFill>
+            </a:endParaRPr>
           </a:p>
         </p:txBody>
       </p:sp>
@@ -4420,7 +4429,7 @@
           <a:p>
             <a:r>
               <a:rPr kumimoji="1" lang="en-US" altLang="ja-JP" smtClean="0"/>
-              <a:t>/5</a:t>
+              <a:t>/9</a:t>
             </a:r>
             <a:endParaRPr kumimoji="1" lang="ja-JP" altLang="en-US" dirty="0"/>
           </a:p>
@@ -4760,7 +4769,7 @@
           <a:p>
             <a:r>
               <a:rPr kumimoji="1" lang="en-US" altLang="ja-JP" smtClean="0"/>
-              <a:t>/5</a:t>
+              <a:t>/9</a:t>
             </a:r>
             <a:endParaRPr kumimoji="1" lang="ja-JP" altLang="en-US" dirty="0"/>
           </a:p>
@@ -5073,7 +5082,7 @@
           <a:p>
             <a:r>
               <a:rPr kumimoji="1" lang="en-US" altLang="ja-JP" smtClean="0"/>
-              <a:t>/5</a:t>
+              <a:t>/9</a:t>
             </a:r>
             <a:endParaRPr kumimoji="1" lang="ja-JP" altLang="en-US" dirty="0"/>
           </a:p>
@@ -5309,7 +5318,11 @@
             </a:br>
             <a:r>
               <a:rPr lang="ja-JP" altLang="en-US" dirty="0" smtClean="0"/>
-              <a:t>景気回復局面では、予想金利が上昇するので、時間軸効果も増大</a:t>
+              <a:t>景気回復局面では、予想金利が上昇するので、時間軸</a:t>
+            </a:r>
+            <a:r>
+              <a:rPr lang="ja-JP" altLang="en-US" dirty="0" smtClean="0"/>
+              <a:t>効果は大きい</a:t>
             </a:r>
             <a:r>
               <a:rPr lang="en-US" altLang="ja-JP" dirty="0" smtClean="0"/>
@@ -5321,9 +5334,137 @@
             <a:endParaRPr kumimoji="1" lang="en-US" altLang="ja-JP" dirty="0" smtClean="0"/>
           </a:p>
           <a:p>
+            <a:r>
+              <a:rPr kumimoji="1" lang="ja-JP" altLang="en-US" dirty="0" smtClean="0"/>
+              <a:t>購入資産の変化</a:t>
+            </a:r>
             <a:endParaRPr kumimoji="1" lang="en-US" altLang="ja-JP" dirty="0" smtClean="0"/>
           </a:p>
           <a:p>
+            <a:pPr lvl="1"/>
+            <a:r>
+              <a:rPr kumimoji="1" lang="ja-JP" altLang="en-US" dirty="0" smtClean="0"/>
+              <a:t>金利が下がりすぎて、札割れが頻発</a:t>
+            </a:r>
+            <a:r>
+              <a:rPr kumimoji="1" lang="en-US" altLang="ja-JP" dirty="0" smtClean="0"/>
+              <a:t>.</a:t>
+            </a:r>
+            <a:r>
+              <a:rPr lang="ja-JP" altLang="en-US" dirty="0" smtClean="0"/>
+              <a:t>札割れ防止のために</a:t>
+            </a:r>
+            <a:r>
+              <a:rPr lang="ja-JP" altLang="en-US" dirty="0" err="1" smtClean="0"/>
+              <a:t>、、</a:t>
+            </a:r>
+            <a:endParaRPr kumimoji="1" lang="en-US" altLang="ja-JP" dirty="0" smtClean="0"/>
+          </a:p>
+          <a:p>
+            <a:pPr lvl="2"/>
+            <a:r>
+              <a:rPr lang="ja-JP" altLang="en-US" dirty="0"/>
+              <a:t>国債</a:t>
+            </a:r>
+            <a:r>
+              <a:rPr lang="ja-JP" altLang="en-US" dirty="0" smtClean="0"/>
+              <a:t>の長期化</a:t>
+            </a:r>
+            <a:r>
+              <a:rPr lang="en-US" altLang="ja-JP" dirty="0" smtClean="0"/>
+              <a:t>.</a:t>
+            </a:r>
+            <a:br>
+              <a:rPr lang="en-US" altLang="ja-JP" dirty="0" smtClean="0"/>
+            </a:br>
+            <a:r>
+              <a:rPr lang="ja-JP" altLang="en-US" dirty="0" smtClean="0"/>
+              <a:t>→長いタームものは金利がある程度高いので、下げる余地がある</a:t>
+            </a:r>
+            <a:r>
+              <a:rPr lang="en-US" altLang="ja-JP" dirty="0" smtClean="0"/>
+              <a:t>.</a:t>
+            </a:r>
+            <a:br>
+              <a:rPr lang="en-US" altLang="ja-JP" dirty="0" smtClean="0"/>
+            </a:br>
+            <a:r>
+              <a:rPr lang="ja-JP" altLang="en-US" dirty="0" smtClean="0"/>
+              <a:t>　⇒タームプレミアムの縮小→信用</a:t>
+            </a:r>
+            <a:r>
+              <a:rPr lang="en-US" altLang="ja-JP" dirty="0" smtClean="0"/>
+              <a:t>Spread</a:t>
+            </a:r>
+            <a:r>
+              <a:rPr lang="ja-JP" altLang="en-US" dirty="0" smtClean="0"/>
+              <a:t>の縮小を招いた</a:t>
+            </a:r>
+            <a:r>
+              <a:rPr lang="en-US" altLang="ja-JP" dirty="0" smtClean="0"/>
+              <a:t>.</a:t>
+            </a:r>
+          </a:p>
+          <a:p>
+            <a:pPr lvl="2"/>
+            <a:r>
+              <a:rPr kumimoji="1" lang="ja-JP" altLang="en-US" dirty="0"/>
+              <a:t>あ</a:t>
+            </a:r>
+            <a:endParaRPr kumimoji="1" lang="en-US" altLang="ja-JP" dirty="0" smtClean="0"/>
+          </a:p>
+          <a:p>
+            <a:pPr lvl="1"/>
+            <a:r>
+              <a:rPr lang="en-US" altLang="ja-JP" dirty="0" smtClean="0"/>
+              <a:t>(</a:t>
+            </a:r>
+            <a:r>
+              <a:rPr lang="ja-JP" altLang="en-US" dirty="0" smtClean="0"/>
+              <a:t>中銀が</a:t>
+            </a:r>
+            <a:r>
+              <a:rPr lang="en-US" altLang="ja-JP" dirty="0" smtClean="0"/>
+              <a:t>)</a:t>
+            </a:r>
+            <a:r>
+              <a:rPr lang="ja-JP" altLang="en-US" dirty="0" smtClean="0"/>
+              <a:t>民間から長期国債を買う</a:t>
+            </a:r>
+            <a:r>
+              <a:rPr lang="en-US" altLang="ja-JP" dirty="0" smtClean="0"/>
+              <a:t>.</a:t>
+            </a:r>
+          </a:p>
+          <a:p>
+            <a:pPr lvl="2"/>
+            <a:r>
+              <a:rPr lang="ja-JP" altLang="en-US" dirty="0" smtClean="0"/>
+              <a:t>多額で・定期的で・クローズな取引</a:t>
+            </a:r>
+            <a:r>
+              <a:rPr lang="en-US" altLang="ja-JP" dirty="0" smtClean="0"/>
+              <a:t>	</a:t>
+            </a:r>
+          </a:p>
+          <a:p>
+            <a:pPr lvl="2"/>
+            <a:r>
+              <a:rPr lang="ja-JP" altLang="en-US" dirty="0" smtClean="0"/>
+              <a:t>民間部門は流動性の薄い国債を放出した</a:t>
+            </a:r>
+            <a:r>
+              <a:rPr lang="en-US" altLang="ja-JP" dirty="0" smtClean="0"/>
+              <a:t>. </a:t>
+            </a:r>
+            <a:r>
+              <a:rPr lang="ja-JP" altLang="en-US" dirty="0" smtClean="0"/>
+              <a:t>⇒ デュレーションの短期化へ</a:t>
+            </a:r>
+            <a:r>
+              <a:rPr lang="en-US" altLang="ja-JP" dirty="0" smtClean="0"/>
+              <a:t>.</a:t>
+            </a:r>
             <a:endParaRPr lang="en-US" altLang="ja-JP" dirty="0"/>
           </a:p>
           <a:p>
@@ -5375,7 +5516,7 @@
           <a:p>
             <a:r>
               <a:rPr kumimoji="1" lang="en-US" altLang="ja-JP" smtClean="0"/>
-              <a:t>/5</a:t>
+              <a:t>/9</a:t>
             </a:r>
             <a:endParaRPr kumimoji="1" lang="ja-JP" altLang="en-US" dirty="0"/>
           </a:p>
@@ -5385,6 +5526,1325 @@
     <p:extLst>
       <p:ext uri="{BB962C8B-B14F-4D97-AF65-F5344CB8AC3E}">
         <p14:creationId xmlns:p14="http://schemas.microsoft.com/office/powerpoint/2010/main" val="2335352428"/>
+      </p:ext>
+    </p:extLst>
+  </p:cSld>
+  <p:clrMapOvr>
+    <a:masterClrMapping/>
+  </p:clrMapOvr>
+</p:sld>
+</file>
+
+<file path=ppt/slides/slide6.xml><?xml version="1.0" encoding="utf-8"?>
+<p:sld xmlns:a="http://schemas.openxmlformats.org/drawingml/2006/main" xmlns:r="http://schemas.openxmlformats.org/officeDocument/2006/relationships" xmlns:p="http://schemas.openxmlformats.org/presentationml/2006/main">
+  <p:cSld>
+    <p:spTree>
+      <p:nvGrpSpPr>
+        <p:cNvPr id="1" name=""/>
+        <p:cNvGrpSpPr/>
+        <p:nvPr/>
+      </p:nvGrpSpPr>
+      <p:grpSpPr>
+        <a:xfrm>
+          <a:off x="0" y="0"/>
+          <a:ext cx="0" cy="0"/>
+          <a:chOff x="0" y="0"/>
+          <a:chExt cx="0" cy="0"/>
+        </a:xfrm>
+      </p:grpSpPr>
+      <p:sp>
+        <p:nvSpPr>
+          <p:cNvPr id="2" name="タイトル 1"/>
+          <p:cNvSpPr>
+            <a:spLocks noGrp="1"/>
+          </p:cNvSpPr>
+          <p:nvPr>
+            <p:ph type="title"/>
+          </p:nvPr>
+        </p:nvSpPr>
+        <p:spPr/>
+        <p:txBody>
+          <a:bodyPr>
+            <a:noAutofit/>
+          </a:bodyPr>
+          <a:lstStyle/>
+          <a:p>
+            <a:r>
+              <a:rPr kumimoji="1" lang="en-US" altLang="ja-JP" sz="3200" dirty="0" smtClean="0"/>
+              <a:t>18-3 </a:t>
+            </a:r>
+            <a:r>
+              <a:rPr kumimoji="1" lang="ja-JP" altLang="en-US" sz="3200" dirty="0" smtClean="0"/>
+              <a:t>量的緩和政策の効果 </a:t>
+            </a:r>
+            <a:r>
+              <a:rPr kumimoji="1" lang="en-US" altLang="ja-JP" sz="3200" dirty="0" smtClean="0"/>
+              <a:t>: </a:t>
+            </a:r>
+            <a:r>
+              <a:rPr lang="ja-JP" altLang="en-US" sz="3200" dirty="0"/>
+              <a:t>景気</a:t>
+            </a:r>
+            <a:r>
+              <a:rPr kumimoji="1" lang="ja-JP" altLang="en-US" sz="3200" dirty="0" smtClean="0"/>
+              <a:t>と物価</a:t>
+            </a:r>
+            <a:endParaRPr kumimoji="1" lang="ja-JP" altLang="en-US" sz="3200" dirty="0"/>
+          </a:p>
+        </p:txBody>
+      </p:sp>
+      <p:sp>
+        <p:nvSpPr>
+          <p:cNvPr id="3" name="コンテンツ プレースホルダー 2"/>
+          <p:cNvSpPr>
+            <a:spLocks noGrp="1"/>
+          </p:cNvSpPr>
+          <p:nvPr>
+            <p:ph idx="1"/>
+          </p:nvPr>
+        </p:nvSpPr>
+        <p:spPr/>
+        <p:txBody>
+          <a:bodyPr/>
+          <a:lstStyle/>
+          <a:p>
+            <a:r>
+              <a:rPr kumimoji="1" lang="ja-JP" altLang="en-US" dirty="0" smtClean="0"/>
+              <a:t>量の拡大の影響はかなり少ない</a:t>
+            </a:r>
+            <a:r>
+              <a:rPr kumimoji="1" lang="en-US" altLang="ja-JP" dirty="0" smtClean="0"/>
+              <a:t>.</a:t>
+            </a:r>
+          </a:p>
+          <a:p>
+            <a:pPr lvl="1"/>
+            <a:r>
+              <a:rPr lang="ja-JP" altLang="en-US" dirty="0"/>
+              <a:t>信用</a:t>
+            </a:r>
+            <a:r>
+              <a:rPr lang="ja-JP" altLang="en-US" dirty="0" smtClean="0"/>
+              <a:t>乗数理論の崩壊</a:t>
+            </a:r>
+            <a:r>
+              <a:rPr lang="en-US" altLang="ja-JP" dirty="0" smtClean="0"/>
+              <a:t/>
+            </a:r>
+            <a:br>
+              <a:rPr lang="en-US" altLang="ja-JP" dirty="0" smtClean="0"/>
+            </a:br>
+            <a:r>
+              <a:rPr lang="en-US" altLang="ja-JP" dirty="0" smtClean="0"/>
+              <a:t>… </a:t>
+            </a:r>
+            <a:r>
+              <a:rPr lang="ja-JP" altLang="en-US" dirty="0" smtClean="0"/>
+              <a:t>マネタリベース拡大しても、マネーサプライ拡大しない！</a:t>
+            </a:r>
+            <a:endParaRPr kumimoji="1" lang="en-US" altLang="ja-JP" dirty="0" smtClean="0"/>
+          </a:p>
+          <a:p>
+            <a:pPr lvl="1"/>
+            <a:r>
+              <a:rPr lang="ja-JP" altLang="en-US" dirty="0" smtClean="0"/>
+              <a:t>ポートフォリオ・リバランス効果</a:t>
+            </a:r>
+            <a:r>
+              <a:rPr lang="en-US" altLang="ja-JP" dirty="0" smtClean="0"/>
+              <a:t/>
+            </a:r>
+            <a:br>
+              <a:rPr lang="en-US" altLang="ja-JP" dirty="0" smtClean="0"/>
+            </a:br>
+            <a:r>
+              <a:rPr lang="en-US" altLang="ja-JP" dirty="0" smtClean="0"/>
+              <a:t> … </a:t>
+            </a:r>
+            <a:r>
+              <a:rPr lang="ja-JP" altLang="en-US" dirty="0" smtClean="0"/>
+              <a:t>リスク資産の購入</a:t>
+            </a:r>
+            <a:r>
+              <a:rPr lang="en-US" altLang="ja-JP" dirty="0"/>
+              <a:t/>
+            </a:r>
+            <a:br>
+              <a:rPr lang="en-US" altLang="ja-JP" dirty="0"/>
+            </a:br>
+            <a:r>
+              <a:rPr lang="ja-JP" altLang="en-US" dirty="0" smtClean="0"/>
+              <a:t>　①金利が低くて、リスク資産へ流入</a:t>
+            </a:r>
+            <a:r>
+              <a:rPr lang="en-US" altLang="ja-JP" dirty="0" smtClean="0"/>
+              <a:t>.</a:t>
+            </a:r>
+            <a:r>
+              <a:rPr lang="en-US" altLang="ja-JP" dirty="0"/>
+              <a:t/>
+            </a:r>
+            <a:br>
+              <a:rPr lang="en-US" altLang="ja-JP" dirty="0"/>
+            </a:br>
+            <a:r>
+              <a:rPr lang="ja-JP" altLang="en-US" dirty="0" smtClean="0"/>
+              <a:t>　②信用</a:t>
+            </a:r>
+            <a:r>
+              <a:rPr lang="en-US" altLang="ja-JP" dirty="0" smtClean="0"/>
+              <a:t>Spread</a:t>
+            </a:r>
+            <a:r>
+              <a:rPr lang="ja-JP" altLang="en-US" dirty="0" smtClean="0"/>
+              <a:t>の縮小</a:t>
+            </a:r>
+            <a:r>
+              <a:rPr lang="en-US" altLang="ja-JP" dirty="0" smtClean="0"/>
+              <a:t>.  </a:t>
+            </a:r>
+            <a:r>
+              <a:rPr lang="ja-JP" altLang="en-US" dirty="0" smtClean="0"/>
+              <a:t>←量拡大ではなく、資産の変化のおかげ</a:t>
+            </a:r>
+            <a:r>
+              <a:rPr lang="en-US" altLang="ja-JP" dirty="0" smtClean="0"/>
+              <a:t>.</a:t>
+            </a:r>
+          </a:p>
+          <a:p>
+            <a:pPr lvl="1"/>
+            <a:r>
+              <a:rPr lang="ja-JP" altLang="en-US" dirty="0"/>
+              <a:t>シグナル</a:t>
+            </a:r>
+            <a:r>
+              <a:rPr lang="ja-JP" altLang="en-US" dirty="0" smtClean="0"/>
+              <a:t>効果</a:t>
+            </a:r>
+            <a:endParaRPr lang="en-US" altLang="ja-JP" dirty="0" smtClean="0"/>
+          </a:p>
+          <a:p>
+            <a:pPr marL="914400" lvl="2" indent="0">
+              <a:buNone/>
+            </a:pPr>
+            <a:r>
+              <a:rPr lang="ja-JP" altLang="en-US" dirty="0" smtClean="0"/>
+              <a:t>「コア</a:t>
+            </a:r>
+            <a:r>
+              <a:rPr lang="en-US" altLang="ja-JP" dirty="0" smtClean="0"/>
+              <a:t>CPI</a:t>
+            </a:r>
+            <a:r>
+              <a:rPr lang="ja-JP" altLang="en-US" dirty="0" smtClean="0"/>
+              <a:t>に基づいて、金融政策を決める」という安心感</a:t>
+            </a:r>
+            <a:r>
+              <a:rPr lang="en-US" altLang="ja-JP" dirty="0" smtClean="0"/>
+              <a:t>.</a:t>
+            </a:r>
+            <a:br>
+              <a:rPr lang="en-US" altLang="ja-JP" dirty="0" smtClean="0"/>
+            </a:br>
+            <a:r>
+              <a:rPr lang="ja-JP" altLang="en-US" dirty="0" smtClean="0"/>
+              <a:t>　⇒だが、この影響も限定的だろう</a:t>
+            </a:r>
+            <a:r>
+              <a:rPr lang="en-US" altLang="ja-JP" dirty="0" smtClean="0"/>
+              <a:t>.</a:t>
+            </a:r>
+          </a:p>
+          <a:p>
+            <a:pPr lvl="1"/>
+            <a:r>
+              <a:rPr lang="ja-JP" altLang="en-US" dirty="0" smtClean="0"/>
+              <a:t>財政支出</a:t>
+            </a:r>
+            <a:endParaRPr lang="en-US" altLang="ja-JP" dirty="0" smtClean="0"/>
+          </a:p>
+          <a:p>
+            <a:pPr marL="914400" lvl="2" indent="0">
+              <a:buNone/>
+            </a:pPr>
+            <a:r>
+              <a:rPr kumimoji="1" lang="ja-JP" altLang="en-US" dirty="0" smtClean="0"/>
+              <a:t>理論「国債発行分だけ財政支出を増やせば、デフレ脱却する</a:t>
+            </a:r>
+            <a:r>
+              <a:rPr lang="ja-JP" altLang="en-US" dirty="0" smtClean="0"/>
+              <a:t>」</a:t>
+            </a:r>
+            <a:r>
+              <a:rPr lang="en-US" altLang="ja-JP" dirty="0" smtClean="0"/>
+              <a:t/>
+            </a:r>
+            <a:br>
+              <a:rPr lang="en-US" altLang="ja-JP" dirty="0" smtClean="0"/>
+            </a:br>
+            <a:r>
+              <a:rPr lang="ja-JP" altLang="en-US" dirty="0" smtClean="0"/>
+              <a:t>→但し、実際は、積極的な財政政策はされなかった</a:t>
+            </a:r>
+            <a:r>
+              <a:rPr lang="en-US" altLang="ja-JP" dirty="0" smtClean="0"/>
+              <a:t>.</a:t>
+            </a:r>
+          </a:p>
+          <a:p>
+            <a:pPr marL="914400" lvl="2" indent="0">
+              <a:buNone/>
+            </a:pPr>
+            <a:endParaRPr kumimoji="1" lang="en-US" altLang="ja-JP" dirty="0" smtClean="0"/>
+          </a:p>
+          <a:p>
+            <a:pPr lvl="1"/>
+            <a:endParaRPr kumimoji="1" lang="en-US" altLang="ja-JP" dirty="0"/>
+          </a:p>
+          <a:p>
+            <a:pPr lvl="1"/>
+            <a:endParaRPr kumimoji="1" lang="en-US" altLang="ja-JP" dirty="0" smtClean="0"/>
+          </a:p>
+          <a:p>
+            <a:pPr lvl="1"/>
+            <a:endParaRPr kumimoji="1" lang="en-US" altLang="ja-JP" dirty="0" smtClean="0"/>
+          </a:p>
+          <a:p>
+            <a:endParaRPr lang="en-US" altLang="ja-JP" dirty="0"/>
+          </a:p>
+          <a:p>
+            <a:endParaRPr kumimoji="1" lang="en-US" altLang="ja-JP" dirty="0" smtClean="0"/>
+          </a:p>
+          <a:p>
+            <a:endParaRPr lang="en-US" altLang="ja-JP" dirty="0"/>
+          </a:p>
+          <a:p>
+            <a:endParaRPr kumimoji="1" lang="ja-JP" altLang="en-US" dirty="0"/>
+          </a:p>
+        </p:txBody>
+      </p:sp>
+      <p:sp>
+        <p:nvSpPr>
+          <p:cNvPr id="4" name="スライド番号プレースホルダー 3"/>
+          <p:cNvSpPr>
+            <a:spLocks noGrp="1"/>
+          </p:cNvSpPr>
+          <p:nvPr>
+            <p:ph type="sldNum" sz="quarter" idx="12"/>
+          </p:nvPr>
+        </p:nvSpPr>
+        <p:spPr/>
+        <p:txBody>
+          <a:bodyPr/>
+          <a:lstStyle/>
+          <a:p>
+            <a:fld id="{2DD9D90A-4D94-4525-A16D-2717D27F54F2}" type="slidenum">
+              <a:rPr kumimoji="1" lang="ja-JP" altLang="en-US" smtClean="0"/>
+              <a:pPr/>
+              <a:t>6</a:t>
+            </a:fld>
+            <a:endParaRPr kumimoji="1" lang="ja-JP" altLang="en-US" dirty="0"/>
+          </a:p>
+        </p:txBody>
+      </p:sp>
+      <p:sp>
+        <p:nvSpPr>
+          <p:cNvPr id="5" name="フッター プレースホルダー 4"/>
+          <p:cNvSpPr>
+            <a:spLocks noGrp="1"/>
+          </p:cNvSpPr>
+          <p:nvPr>
+            <p:ph type="ftr" sz="quarter" idx="11"/>
+          </p:nvPr>
+        </p:nvSpPr>
+        <p:spPr/>
+        <p:txBody>
+          <a:bodyPr/>
+          <a:lstStyle/>
+          <a:p>
+            <a:r>
+              <a:rPr kumimoji="1" lang="en-US" altLang="ja-JP" smtClean="0"/>
+              <a:t>/9</a:t>
+            </a:r>
+            <a:endParaRPr kumimoji="1" lang="ja-JP" altLang="en-US" dirty="0"/>
+          </a:p>
+        </p:txBody>
+      </p:sp>
+    </p:spTree>
+    <p:extLst>
+      <p:ext uri="{BB962C8B-B14F-4D97-AF65-F5344CB8AC3E}">
+        <p14:creationId xmlns:p14="http://schemas.microsoft.com/office/powerpoint/2010/main" val="1721645376"/>
+      </p:ext>
+    </p:extLst>
+  </p:cSld>
+  <p:clrMapOvr>
+    <a:masterClrMapping/>
+  </p:clrMapOvr>
+</p:sld>
+</file>
+
+<file path=ppt/slides/slide7.xml><?xml version="1.0" encoding="utf-8"?>
+<p:sld xmlns:a="http://schemas.openxmlformats.org/drawingml/2006/main" xmlns:r="http://schemas.openxmlformats.org/officeDocument/2006/relationships" xmlns:p="http://schemas.openxmlformats.org/presentationml/2006/main">
+  <p:cSld>
+    <p:spTree>
+      <p:nvGrpSpPr>
+        <p:cNvPr id="1" name=""/>
+        <p:cNvGrpSpPr/>
+        <p:nvPr/>
+      </p:nvGrpSpPr>
+      <p:grpSpPr>
+        <a:xfrm>
+          <a:off x="0" y="0"/>
+          <a:ext cx="0" cy="0"/>
+          <a:chOff x="0" y="0"/>
+          <a:chExt cx="0" cy="0"/>
+        </a:xfrm>
+      </p:grpSpPr>
+      <p:sp>
+        <p:nvSpPr>
+          <p:cNvPr id="2" name="タイトル 1"/>
+          <p:cNvSpPr>
+            <a:spLocks noGrp="1"/>
+          </p:cNvSpPr>
+          <p:nvPr>
+            <p:ph type="title"/>
+          </p:nvPr>
+        </p:nvSpPr>
+        <p:spPr/>
+        <p:txBody>
+          <a:bodyPr>
+            <a:noAutofit/>
+          </a:bodyPr>
+          <a:lstStyle/>
+          <a:p>
+            <a:r>
+              <a:rPr lang="en-US" altLang="ja-JP" sz="2400" dirty="0" smtClean="0"/>
+              <a:t>18-4 </a:t>
+            </a:r>
+            <a:r>
+              <a:rPr lang="ja-JP" altLang="en-US" sz="2400" dirty="0"/>
+              <a:t>量的緩和政策の効果 </a:t>
+            </a:r>
+            <a:r>
+              <a:rPr lang="en-US" altLang="ja-JP" sz="2400" dirty="0" smtClean="0"/>
+              <a:t>: </a:t>
+            </a:r>
+            <a:r>
+              <a:rPr lang="ja-JP" altLang="en-US" sz="2400" dirty="0" smtClean="0"/>
+              <a:t>金融システムの動揺回避</a:t>
+            </a:r>
+            <a:endParaRPr kumimoji="1" lang="ja-JP" altLang="en-US" sz="2400" dirty="0"/>
+          </a:p>
+        </p:txBody>
+      </p:sp>
+      <p:sp>
+        <p:nvSpPr>
+          <p:cNvPr id="3" name="コンテンツ プレースホルダー 2"/>
+          <p:cNvSpPr>
+            <a:spLocks noGrp="1"/>
+          </p:cNvSpPr>
+          <p:nvPr>
+            <p:ph idx="1"/>
+          </p:nvPr>
+        </p:nvSpPr>
+        <p:spPr/>
+        <p:txBody>
+          <a:bodyPr/>
+          <a:lstStyle/>
+          <a:p>
+            <a:r>
+              <a:rPr kumimoji="1" lang="ja-JP" altLang="en-US" dirty="0" smtClean="0"/>
+              <a:t>量拡大の影響</a:t>
+            </a:r>
+            <a:endParaRPr kumimoji="1" lang="en-US" altLang="ja-JP" dirty="0" smtClean="0"/>
+          </a:p>
+          <a:p>
+            <a:pPr lvl="1"/>
+            <a:r>
+              <a:rPr lang="en-US" altLang="ja-JP" dirty="0" smtClean="0"/>
+              <a:t>(</a:t>
+            </a:r>
+            <a:r>
+              <a:rPr lang="ja-JP" altLang="en-US" dirty="0" smtClean="0"/>
+              <a:t>大量の</a:t>
+            </a:r>
+            <a:r>
+              <a:rPr lang="en-US" altLang="ja-JP" dirty="0" smtClean="0"/>
+              <a:t>)</a:t>
+            </a:r>
+            <a:r>
+              <a:rPr lang="ja-JP" altLang="en-US" dirty="0" smtClean="0"/>
+              <a:t>流動性供給</a:t>
+            </a:r>
+            <a:endParaRPr lang="en-US" altLang="ja-JP" dirty="0" smtClean="0"/>
+          </a:p>
+          <a:p>
+            <a:pPr lvl="1"/>
+            <a:r>
+              <a:rPr lang="ja-JP" altLang="en-US" dirty="0" smtClean="0"/>
+              <a:t>資金供給の弾力性</a:t>
+            </a:r>
+            <a:endParaRPr lang="en-US" altLang="ja-JP" dirty="0" smtClean="0"/>
+          </a:p>
+          <a:p>
+            <a:pPr lvl="1"/>
+            <a:r>
+              <a:rPr lang="ja-JP" altLang="en-US" dirty="0" smtClean="0"/>
+              <a:t>信用</a:t>
+            </a:r>
+            <a:r>
+              <a:rPr lang="en-US" altLang="ja-JP" dirty="0" smtClean="0"/>
+              <a:t>Spread</a:t>
+            </a:r>
+            <a:r>
+              <a:rPr lang="ja-JP" altLang="en-US" dirty="0" smtClean="0"/>
+              <a:t>の縮小</a:t>
+            </a:r>
+            <a:endParaRPr lang="en-US" altLang="ja-JP" dirty="0" smtClean="0"/>
+          </a:p>
+          <a:p>
+            <a:pPr lvl="1"/>
+            <a:r>
+              <a:rPr lang="ja-JP" altLang="en-US" dirty="0" smtClean="0"/>
+              <a:t>ドル</a:t>
+            </a:r>
+            <a:r>
+              <a:rPr lang="en-US" altLang="ja-JP" dirty="0" smtClean="0"/>
+              <a:t>Funding</a:t>
+            </a:r>
+            <a:r>
+              <a:rPr lang="ja-JP" altLang="en-US" dirty="0" smtClean="0"/>
+              <a:t>の容易化</a:t>
+            </a:r>
+            <a:endParaRPr lang="en-US" altLang="ja-JP" dirty="0"/>
+          </a:p>
+          <a:p>
+            <a:pPr lvl="2"/>
+            <a:r>
+              <a:rPr lang="ja-JP" altLang="en-US" dirty="0" smtClean="0"/>
+              <a:t>円金利がゼロ</a:t>
+            </a:r>
+            <a:r>
+              <a:rPr lang="ja-JP" altLang="en-US" dirty="0"/>
+              <a:t>　</a:t>
+            </a:r>
+            <a:r>
+              <a:rPr lang="ja-JP" altLang="en-US" dirty="0" smtClean="0"/>
+              <a:t>→ </a:t>
+            </a:r>
+            <a:r>
+              <a:rPr lang="en-US" altLang="ja-JP" dirty="0" err="1" smtClean="0"/>
+              <a:t>CcyBasis</a:t>
+            </a:r>
+            <a:r>
+              <a:rPr lang="ja-JP" altLang="en-US" dirty="0" err="1" smtClean="0"/>
+              <a:t>の拡</a:t>
+            </a:r>
+            <a:r>
+              <a:rPr lang="ja-JP" altLang="en-US" dirty="0" smtClean="0"/>
+              <a:t>大</a:t>
+            </a:r>
+            <a:endParaRPr lang="en-US" altLang="ja-JP" dirty="0" smtClean="0"/>
+          </a:p>
+          <a:p>
+            <a:pPr lvl="2"/>
+            <a:r>
+              <a:rPr lang="ja-JP" altLang="en-US" dirty="0" smtClean="0"/>
+              <a:t>信用リスク大　→ 外銀が日銀口座預金を使用するようになった</a:t>
+            </a:r>
+            <a:r>
+              <a:rPr lang="en-US" altLang="ja-JP" dirty="0" smtClean="0"/>
+              <a:t>.</a:t>
+            </a:r>
+            <a:endParaRPr lang="en-US" altLang="ja-JP" dirty="0"/>
+          </a:p>
+          <a:p>
+            <a:r>
+              <a:rPr kumimoji="1" lang="ja-JP" altLang="en-US" dirty="0" smtClean="0"/>
+              <a:t>副作用</a:t>
+            </a:r>
+            <a:endParaRPr kumimoji="1" lang="en-US" altLang="ja-JP" dirty="0" smtClean="0"/>
+          </a:p>
+          <a:p>
+            <a:pPr lvl="1"/>
+            <a:r>
+              <a:rPr lang="ja-JP" altLang="en-US" dirty="0"/>
+              <a:t>短期</a:t>
+            </a:r>
+            <a:r>
+              <a:rPr lang="ja-JP" altLang="en-US" dirty="0" smtClean="0"/>
+              <a:t>金利市場の機能低下</a:t>
+            </a:r>
+            <a:r>
+              <a:rPr lang="en-US" altLang="ja-JP" dirty="0" smtClean="0"/>
+              <a:t/>
+            </a:r>
+            <a:br>
+              <a:rPr lang="en-US" altLang="ja-JP" dirty="0" smtClean="0"/>
+            </a:br>
+            <a:r>
+              <a:rPr lang="ja-JP" altLang="en-US" dirty="0" smtClean="0"/>
+              <a:t>→取引コストを考えるとやる価値なし → 流動性低下</a:t>
+            </a:r>
+            <a:r>
+              <a:rPr lang="en-US" altLang="ja-JP" dirty="0" smtClean="0"/>
+              <a:t>.</a:t>
+            </a:r>
+          </a:p>
+          <a:p>
+            <a:pPr lvl="1"/>
+            <a:r>
+              <a:rPr kumimoji="1" lang="ja-JP" altLang="en-US" dirty="0" smtClean="0"/>
+              <a:t>流動性不足と資本不足</a:t>
+            </a:r>
+            <a:r>
+              <a:rPr lang="en-US" altLang="ja-JP" dirty="0"/>
+              <a:t/>
+            </a:r>
+            <a:br>
+              <a:rPr lang="en-US" altLang="ja-JP" dirty="0"/>
+            </a:br>
+            <a:r>
+              <a:rPr lang="ja-JP" altLang="en-US" dirty="0" smtClean="0"/>
+              <a:t>→負担資本額がたいした変化なし</a:t>
+            </a:r>
+            <a:r>
+              <a:rPr lang="en-US" altLang="ja-JP" dirty="0" smtClean="0"/>
+              <a:t>.(??)</a:t>
+            </a:r>
+            <a:endParaRPr lang="en-US" altLang="ja-JP" dirty="0"/>
+          </a:p>
+          <a:p>
+            <a:pPr lvl="1"/>
+            <a:r>
+              <a:rPr lang="ja-JP" altLang="en-US" dirty="0" smtClean="0"/>
+              <a:t>モラルハザード</a:t>
+            </a:r>
+            <a:r>
+              <a:rPr lang="en-US" altLang="ja-JP" dirty="0" smtClean="0"/>
+              <a:t/>
+            </a:r>
+            <a:br>
+              <a:rPr lang="en-US" altLang="ja-JP" dirty="0" smtClean="0"/>
+            </a:br>
+            <a:r>
+              <a:rPr lang="ja-JP" altLang="en-US" dirty="0" smtClean="0"/>
+              <a:t>→「資金繰りに苦しくても、中銀が助けてくれるから余裕！」</a:t>
+            </a:r>
+            <a:endParaRPr kumimoji="1" lang="en-US" altLang="ja-JP" dirty="0" smtClean="0"/>
+          </a:p>
+          <a:p>
+            <a:endParaRPr kumimoji="1" lang="ja-JP" altLang="en-US" dirty="0"/>
+          </a:p>
+        </p:txBody>
+      </p:sp>
+      <p:sp>
+        <p:nvSpPr>
+          <p:cNvPr id="4" name="スライド番号プレースホルダー 3"/>
+          <p:cNvSpPr>
+            <a:spLocks noGrp="1"/>
+          </p:cNvSpPr>
+          <p:nvPr>
+            <p:ph type="sldNum" sz="quarter" idx="12"/>
+          </p:nvPr>
+        </p:nvSpPr>
+        <p:spPr/>
+        <p:txBody>
+          <a:bodyPr/>
+          <a:lstStyle/>
+          <a:p>
+            <a:fld id="{2DD9D90A-4D94-4525-A16D-2717D27F54F2}" type="slidenum">
+              <a:rPr kumimoji="1" lang="ja-JP" altLang="en-US" smtClean="0"/>
+              <a:pPr/>
+              <a:t>7</a:t>
+            </a:fld>
+            <a:endParaRPr kumimoji="1" lang="ja-JP" altLang="en-US" dirty="0"/>
+          </a:p>
+        </p:txBody>
+      </p:sp>
+      <p:sp>
+        <p:nvSpPr>
+          <p:cNvPr id="5" name="フッター プレースホルダー 4"/>
+          <p:cNvSpPr>
+            <a:spLocks noGrp="1"/>
+          </p:cNvSpPr>
+          <p:nvPr>
+            <p:ph type="ftr" sz="quarter" idx="11"/>
+          </p:nvPr>
+        </p:nvSpPr>
+        <p:spPr/>
+        <p:txBody>
+          <a:bodyPr/>
+          <a:lstStyle/>
+          <a:p>
+            <a:r>
+              <a:rPr kumimoji="1" lang="en-US" altLang="ja-JP" smtClean="0"/>
+              <a:t>/9</a:t>
+            </a:r>
+            <a:endParaRPr kumimoji="1" lang="ja-JP" altLang="en-US" dirty="0"/>
+          </a:p>
+        </p:txBody>
+      </p:sp>
+    </p:spTree>
+    <p:extLst>
+      <p:ext uri="{BB962C8B-B14F-4D97-AF65-F5344CB8AC3E}">
+        <p14:creationId xmlns:p14="http://schemas.microsoft.com/office/powerpoint/2010/main" val="2095547467"/>
+      </p:ext>
+    </p:extLst>
+  </p:cSld>
+  <p:clrMapOvr>
+    <a:masterClrMapping/>
+  </p:clrMapOvr>
+</p:sld>
+</file>
+
+<file path=ppt/slides/slide8.xml><?xml version="1.0" encoding="utf-8"?>
+<p:sld xmlns:a="http://schemas.openxmlformats.org/drawingml/2006/main" xmlns:r="http://schemas.openxmlformats.org/officeDocument/2006/relationships" xmlns:p="http://schemas.openxmlformats.org/presentationml/2006/main">
+  <p:cSld>
+    <p:spTree>
+      <p:nvGrpSpPr>
+        <p:cNvPr id="1" name=""/>
+        <p:cNvGrpSpPr/>
+        <p:nvPr/>
+      </p:nvGrpSpPr>
+      <p:grpSpPr>
+        <a:xfrm>
+          <a:off x="0" y="0"/>
+          <a:ext cx="0" cy="0"/>
+          <a:chOff x="0" y="0"/>
+          <a:chExt cx="0" cy="0"/>
+        </a:xfrm>
+      </p:grpSpPr>
+      <p:sp>
+        <p:nvSpPr>
+          <p:cNvPr id="2" name="タイトル 1"/>
+          <p:cNvSpPr>
+            <a:spLocks noGrp="1"/>
+          </p:cNvSpPr>
+          <p:nvPr>
+            <p:ph type="title"/>
+          </p:nvPr>
+        </p:nvSpPr>
+        <p:spPr/>
+        <p:txBody>
+          <a:bodyPr>
+            <a:normAutofit fontScale="90000"/>
+          </a:bodyPr>
+          <a:lstStyle/>
+          <a:p>
+            <a:r>
+              <a:rPr lang="en-US" altLang="ja-JP" dirty="0" smtClean="0"/>
+              <a:t>18-5 </a:t>
+            </a:r>
+            <a:r>
+              <a:rPr lang="ja-JP" altLang="en-US" dirty="0"/>
+              <a:t>量的緩和</a:t>
+            </a:r>
+            <a:r>
+              <a:rPr lang="ja-JP" altLang="en-US" dirty="0" smtClean="0"/>
+              <a:t>政策</a:t>
+            </a:r>
+            <a:r>
+              <a:rPr lang="ja-JP" altLang="en-US" dirty="0"/>
+              <a:t>運営上</a:t>
+            </a:r>
+            <a:r>
+              <a:rPr lang="ja-JP" altLang="en-US" dirty="0" smtClean="0"/>
+              <a:t>の論点</a:t>
+            </a:r>
+            <a:endParaRPr kumimoji="1" lang="ja-JP" altLang="en-US" dirty="0"/>
+          </a:p>
+        </p:txBody>
+      </p:sp>
+      <p:sp>
+        <p:nvSpPr>
+          <p:cNvPr id="3" name="コンテンツ プレースホルダー 2"/>
+          <p:cNvSpPr>
+            <a:spLocks noGrp="1"/>
+          </p:cNvSpPr>
+          <p:nvPr>
+            <p:ph idx="1"/>
+          </p:nvPr>
+        </p:nvSpPr>
+        <p:spPr/>
+        <p:txBody>
+          <a:bodyPr/>
+          <a:lstStyle/>
+          <a:p>
+            <a:pPr marL="457200" indent="-457200">
+              <a:buFont typeface="+mj-lt"/>
+              <a:buAutoNum type="arabicPeriod"/>
+            </a:pPr>
+            <a:r>
+              <a:rPr kumimoji="1" lang="ja-JP" altLang="en-US" dirty="0" smtClean="0"/>
+              <a:t>量の拡大は効果なし</a:t>
+            </a:r>
+            <a:r>
+              <a:rPr lang="en-US" altLang="ja-JP" dirty="0"/>
+              <a:t> </a:t>
+            </a:r>
+            <a:r>
+              <a:rPr lang="en-US" altLang="ja-JP" dirty="0" smtClean="0"/>
+              <a:t>/ </a:t>
+            </a:r>
+            <a:r>
+              <a:rPr lang="ja-JP" altLang="en-US" dirty="0" smtClean="0"/>
+              <a:t>時間軸効果は効果あり</a:t>
+            </a:r>
+            <a:endParaRPr lang="en-US" altLang="ja-JP" dirty="0" smtClean="0"/>
+          </a:p>
+          <a:p>
+            <a:pPr marL="457200" indent="-457200">
+              <a:buFont typeface="+mj-lt"/>
+              <a:buAutoNum type="arabicPeriod"/>
+            </a:pPr>
+            <a:r>
+              <a:rPr kumimoji="1" lang="ja-JP" altLang="en-US" dirty="0" smtClean="0"/>
+              <a:t>金融システムの安定</a:t>
+            </a:r>
+            <a:endParaRPr kumimoji="1" lang="en-US" altLang="ja-JP" dirty="0" smtClean="0"/>
+          </a:p>
+          <a:p>
+            <a:pPr marL="457200" indent="-457200">
+              <a:buFont typeface="+mj-lt"/>
+              <a:buAutoNum type="arabicPeriod"/>
+            </a:pPr>
+            <a:r>
+              <a:rPr lang="ja-JP" altLang="en-US" dirty="0" smtClean="0"/>
+              <a:t>伴う副作用</a:t>
+            </a:r>
+            <a:endParaRPr lang="en-US" altLang="ja-JP" dirty="0" smtClean="0"/>
+          </a:p>
+          <a:p>
+            <a:pPr marL="0" indent="0">
+              <a:buNone/>
+            </a:pPr>
+            <a:r>
+              <a:rPr lang="en-US" altLang="ja-JP" dirty="0"/>
+              <a:t>	</a:t>
+            </a:r>
+            <a:r>
+              <a:rPr lang="ja-JP" altLang="en-US" dirty="0" smtClean="0"/>
+              <a:t>→これらの最適解を模索する</a:t>
+            </a:r>
+            <a:r>
+              <a:rPr lang="en-US" altLang="ja-JP" dirty="0" smtClean="0"/>
+              <a:t>.</a:t>
+            </a:r>
+          </a:p>
+          <a:p>
+            <a:endParaRPr kumimoji="1" lang="en-US" altLang="ja-JP" dirty="0"/>
+          </a:p>
+          <a:p>
+            <a:r>
+              <a:rPr lang="ja-JP" altLang="en-US" dirty="0" smtClean="0"/>
+              <a:t>時間軸効果</a:t>
+            </a:r>
+            <a:endParaRPr lang="en-US" altLang="ja-JP" dirty="0" smtClean="0"/>
+          </a:p>
+          <a:p>
+            <a:pPr lvl="1"/>
+            <a:r>
+              <a:rPr kumimoji="1" lang="ja-JP" altLang="en-US" dirty="0" smtClean="0"/>
+              <a:t>「コア</a:t>
+            </a:r>
+            <a:r>
+              <a:rPr kumimoji="1" lang="en-US" altLang="ja-JP" dirty="0" smtClean="0"/>
+              <a:t>CPI</a:t>
+            </a:r>
+            <a:r>
+              <a:rPr kumimoji="1" lang="ja-JP" altLang="en-US" dirty="0" smtClean="0"/>
+              <a:t>の約束」</a:t>
+            </a:r>
+            <a:r>
+              <a:rPr kumimoji="1" lang="en-US" altLang="ja-JP" dirty="0" smtClean="0"/>
+              <a:t/>
+            </a:r>
+            <a:br>
+              <a:rPr kumimoji="1" lang="en-US" altLang="ja-JP" dirty="0" smtClean="0"/>
+            </a:br>
+            <a:r>
+              <a:rPr kumimoji="1" lang="ja-JP" altLang="en-US" dirty="0" smtClean="0"/>
+              <a:t>→ただし、ある程度現実的な水準・期間でないと効果が生まれない</a:t>
+            </a:r>
+            <a:r>
+              <a:rPr kumimoji="1" lang="en-US" altLang="ja-JP" dirty="0" smtClean="0"/>
+              <a:t>.</a:t>
+            </a:r>
+            <a:br>
+              <a:rPr kumimoji="1" lang="en-US" altLang="ja-JP" dirty="0" smtClean="0"/>
+            </a:br>
+            <a:r>
+              <a:rPr kumimoji="1" lang="ja-JP" altLang="en-US" dirty="0" smtClean="0"/>
+              <a:t>　（“</a:t>
+            </a:r>
+            <a:r>
+              <a:rPr kumimoji="1" lang="en-US" altLang="ja-JP" dirty="0" smtClean="0"/>
+              <a:t>10</a:t>
+            </a:r>
+            <a:r>
+              <a:rPr kumimoji="1" lang="ja-JP" altLang="en-US" dirty="0" smtClean="0"/>
+              <a:t>年間コア</a:t>
+            </a:r>
+            <a:r>
+              <a:rPr kumimoji="1" lang="en-US" altLang="ja-JP" dirty="0" smtClean="0"/>
+              <a:t>CPI4%</a:t>
+            </a:r>
+            <a:r>
+              <a:rPr kumimoji="1" lang="ja-JP" altLang="en-US" dirty="0" smtClean="0"/>
+              <a:t>“</a:t>
+            </a:r>
+            <a:r>
+              <a:rPr lang="ja-JP" altLang="en-US" dirty="0" smtClean="0"/>
+              <a:t>など</a:t>
+            </a:r>
+            <a:r>
+              <a:rPr kumimoji="1" lang="ja-JP" altLang="en-US" dirty="0" smtClean="0"/>
+              <a:t>は現実と乖離しすぎている）</a:t>
+            </a:r>
+            <a:endParaRPr kumimoji="1" lang="en-US" altLang="ja-JP" dirty="0" smtClean="0"/>
+          </a:p>
+          <a:p>
+            <a:pPr lvl="1"/>
+            <a:r>
+              <a:rPr kumimoji="1" lang="ja-JP" altLang="en-US" dirty="0" smtClean="0"/>
+              <a:t>委員会のメンバーの任期の範囲内くらい</a:t>
+            </a:r>
+            <a:r>
+              <a:rPr kumimoji="1" lang="en-US" altLang="ja-JP" dirty="0" smtClean="0"/>
+              <a:t/>
+            </a:r>
+            <a:br>
+              <a:rPr kumimoji="1" lang="en-US" altLang="ja-JP" dirty="0" smtClean="0"/>
+            </a:br>
+            <a:r>
+              <a:rPr kumimoji="1" lang="ja-JP" altLang="en-US" dirty="0" smtClean="0"/>
+              <a:t>→任期の範囲でしか、効果はない。</a:t>
+            </a:r>
+            <a:r>
+              <a:rPr kumimoji="1" lang="en-US" altLang="ja-JP" dirty="0" smtClean="0"/>
+              <a:t/>
+            </a:r>
+            <a:br>
+              <a:rPr kumimoji="1" lang="en-US" altLang="ja-JP" dirty="0" smtClean="0"/>
+            </a:br>
+            <a:r>
+              <a:rPr kumimoji="1" lang="ja-JP" altLang="en-US" dirty="0" smtClean="0"/>
+              <a:t>　人が変われば多少は変わらざるを得ない</a:t>
+            </a:r>
+            <a:r>
+              <a:rPr kumimoji="1" lang="en-US" altLang="ja-JP" dirty="0" smtClean="0"/>
+              <a:t>.</a:t>
+            </a:r>
+          </a:p>
+          <a:p>
+            <a:pPr lvl="1"/>
+            <a:r>
+              <a:rPr lang="ja-JP" altLang="en-US" dirty="0" smtClean="0"/>
+              <a:t>ターゲットはゼロ金利は、実際に何％か？</a:t>
+            </a:r>
+            <a:r>
+              <a:rPr lang="en-US" altLang="ja-JP" dirty="0" smtClean="0"/>
+              <a:t/>
+            </a:r>
+            <a:br>
+              <a:rPr lang="en-US" altLang="ja-JP" dirty="0" smtClean="0"/>
+            </a:br>
+            <a:r>
+              <a:rPr lang="ja-JP" altLang="en-US" dirty="0" smtClean="0"/>
+              <a:t>→</a:t>
+            </a:r>
+            <a:r>
+              <a:rPr lang="en-US" altLang="ja-JP" dirty="0" smtClean="0"/>
+              <a:t>0%? 0.001%? </a:t>
+            </a:r>
+            <a:r>
+              <a:rPr lang="ja-JP" altLang="en-US" dirty="0" smtClean="0"/>
+              <a:t>　　⇒多分若干のプラス金利が良かった</a:t>
+            </a:r>
+            <a:r>
+              <a:rPr lang="en-US" altLang="ja-JP" dirty="0" smtClean="0"/>
+              <a:t>.</a:t>
+            </a:r>
+            <a:endParaRPr kumimoji="1" lang="ja-JP" altLang="en-US" dirty="0"/>
+          </a:p>
+        </p:txBody>
+      </p:sp>
+      <p:sp>
+        <p:nvSpPr>
+          <p:cNvPr id="4" name="スライド番号プレースホルダー 3"/>
+          <p:cNvSpPr>
+            <a:spLocks noGrp="1"/>
+          </p:cNvSpPr>
+          <p:nvPr>
+            <p:ph type="sldNum" sz="quarter" idx="12"/>
+          </p:nvPr>
+        </p:nvSpPr>
+        <p:spPr/>
+        <p:txBody>
+          <a:bodyPr/>
+          <a:lstStyle/>
+          <a:p>
+            <a:fld id="{2DD9D90A-4D94-4525-A16D-2717D27F54F2}" type="slidenum">
+              <a:rPr kumimoji="1" lang="ja-JP" altLang="en-US" smtClean="0"/>
+              <a:pPr/>
+              <a:t>8</a:t>
+            </a:fld>
+            <a:endParaRPr kumimoji="1" lang="ja-JP" altLang="en-US" dirty="0"/>
+          </a:p>
+        </p:txBody>
+      </p:sp>
+      <p:sp>
+        <p:nvSpPr>
+          <p:cNvPr id="5" name="フッター プレースホルダー 4"/>
+          <p:cNvSpPr>
+            <a:spLocks noGrp="1"/>
+          </p:cNvSpPr>
+          <p:nvPr>
+            <p:ph type="ftr" sz="quarter" idx="11"/>
+          </p:nvPr>
+        </p:nvSpPr>
+        <p:spPr/>
+        <p:txBody>
+          <a:bodyPr/>
+          <a:lstStyle/>
+          <a:p>
+            <a:r>
+              <a:rPr kumimoji="1" lang="en-US" altLang="ja-JP" smtClean="0"/>
+              <a:t>/9</a:t>
+            </a:r>
+            <a:endParaRPr kumimoji="1" lang="ja-JP" altLang="en-US" dirty="0"/>
+          </a:p>
+        </p:txBody>
+      </p:sp>
+    </p:spTree>
+    <p:extLst>
+      <p:ext uri="{BB962C8B-B14F-4D97-AF65-F5344CB8AC3E}">
+        <p14:creationId xmlns:p14="http://schemas.microsoft.com/office/powerpoint/2010/main" val="1142813582"/>
+      </p:ext>
+    </p:extLst>
+  </p:cSld>
+  <p:clrMapOvr>
+    <a:masterClrMapping/>
+  </p:clrMapOvr>
+</p:sld>
+</file>
+
+<file path=ppt/slides/slide9.xml><?xml version="1.0" encoding="utf-8"?>
+<p:sld xmlns:a="http://schemas.openxmlformats.org/drawingml/2006/main" xmlns:r="http://schemas.openxmlformats.org/officeDocument/2006/relationships" xmlns:p="http://schemas.openxmlformats.org/presentationml/2006/main">
+  <p:cSld>
+    <p:spTree>
+      <p:nvGrpSpPr>
+        <p:cNvPr id="1" name=""/>
+        <p:cNvGrpSpPr/>
+        <p:nvPr/>
+      </p:nvGrpSpPr>
+      <p:grpSpPr>
+        <a:xfrm>
+          <a:off x="0" y="0"/>
+          <a:ext cx="0" cy="0"/>
+          <a:chOff x="0" y="0"/>
+          <a:chExt cx="0" cy="0"/>
+        </a:xfrm>
+      </p:grpSpPr>
+      <p:sp>
+        <p:nvSpPr>
+          <p:cNvPr id="2" name="タイトル 1"/>
+          <p:cNvSpPr>
+            <a:spLocks noGrp="1"/>
+          </p:cNvSpPr>
+          <p:nvPr>
+            <p:ph type="title"/>
+          </p:nvPr>
+        </p:nvSpPr>
+        <p:spPr/>
+        <p:txBody>
+          <a:bodyPr>
+            <a:normAutofit fontScale="90000"/>
+          </a:bodyPr>
+          <a:lstStyle/>
+          <a:p>
+            <a:r>
+              <a:rPr lang="en-US" altLang="ja-JP" dirty="0" smtClean="0"/>
+              <a:t>18-5 </a:t>
+            </a:r>
+            <a:r>
+              <a:rPr lang="ja-JP" altLang="en-US" dirty="0"/>
+              <a:t>量的緩和</a:t>
+            </a:r>
+            <a:r>
+              <a:rPr lang="ja-JP" altLang="en-US" dirty="0" smtClean="0"/>
+              <a:t>政策</a:t>
+            </a:r>
+            <a:r>
+              <a:rPr lang="ja-JP" altLang="en-US" dirty="0"/>
+              <a:t>運営上</a:t>
+            </a:r>
+            <a:r>
+              <a:rPr lang="ja-JP" altLang="en-US" dirty="0" smtClean="0"/>
+              <a:t>の論点</a:t>
+            </a:r>
+            <a:endParaRPr kumimoji="1" lang="ja-JP" altLang="en-US" dirty="0"/>
+          </a:p>
+        </p:txBody>
+      </p:sp>
+      <p:sp>
+        <p:nvSpPr>
+          <p:cNvPr id="3" name="コンテンツ プレースホルダー 2"/>
+          <p:cNvSpPr>
+            <a:spLocks noGrp="1"/>
+          </p:cNvSpPr>
+          <p:nvPr>
+            <p:ph idx="1"/>
+          </p:nvPr>
+        </p:nvSpPr>
+        <p:spPr/>
+        <p:txBody>
+          <a:bodyPr/>
+          <a:lstStyle/>
+          <a:p>
+            <a:r>
+              <a:rPr lang="ja-JP" altLang="en-US" dirty="0" smtClean="0"/>
+              <a:t>情報発信</a:t>
+            </a:r>
+            <a:endParaRPr lang="en-US" altLang="ja-JP" dirty="0" smtClean="0"/>
+          </a:p>
+          <a:p>
+            <a:pPr marL="457200" lvl="1" indent="0">
+              <a:buNone/>
+            </a:pPr>
+            <a:r>
+              <a:rPr kumimoji="1" lang="ja-JP" altLang="en-US" dirty="0" smtClean="0"/>
+              <a:t>→やってみないとわからない。</a:t>
+            </a:r>
+            <a:endParaRPr kumimoji="1" lang="en-US" altLang="ja-JP" dirty="0" smtClean="0"/>
+          </a:p>
+          <a:p>
+            <a:pPr lvl="1"/>
+            <a:r>
+              <a:rPr lang="ja-JP" altLang="en-US" dirty="0" smtClean="0"/>
+              <a:t>「量的緩和」は学者の中でも意見が割れていた</a:t>
+            </a:r>
+            <a:r>
+              <a:rPr lang="en-US" altLang="ja-JP" dirty="0"/>
+              <a:t>.</a:t>
+            </a:r>
+          </a:p>
+          <a:p>
+            <a:pPr lvl="2"/>
+            <a:r>
+              <a:rPr kumimoji="1" lang="ja-JP" altLang="en-US" dirty="0" smtClean="0"/>
+              <a:t>懐疑的意見によって、効果なくなったという主張も</a:t>
+            </a:r>
+            <a:r>
+              <a:rPr kumimoji="1" lang="en-US" altLang="ja-JP" dirty="0" smtClean="0"/>
+              <a:t>.</a:t>
+            </a:r>
+          </a:p>
+          <a:p>
+            <a:pPr lvl="1"/>
+            <a:r>
+              <a:rPr lang="ja-JP" altLang="en-US" dirty="0"/>
+              <a:t>国民の</a:t>
+            </a:r>
+            <a:r>
+              <a:rPr lang="ja-JP" altLang="en-US" dirty="0" smtClean="0"/>
+              <a:t>理解度</a:t>
+            </a:r>
+            <a:endParaRPr kumimoji="1" lang="en-US" altLang="ja-JP" dirty="0" smtClean="0"/>
+          </a:p>
+          <a:p>
+            <a:pPr lvl="1"/>
+            <a:endParaRPr lang="en-US" altLang="ja-JP" dirty="0"/>
+          </a:p>
+          <a:p>
+            <a:r>
+              <a:rPr lang="ja-JP" altLang="en-US" dirty="0" smtClean="0"/>
+              <a:t>非伝統資産の購入</a:t>
+            </a:r>
+            <a:endParaRPr lang="en-US" altLang="ja-JP" dirty="0" smtClean="0"/>
+          </a:p>
+          <a:p>
+            <a:pPr lvl="1"/>
+            <a:r>
+              <a:rPr kumimoji="1" lang="ja-JP" altLang="en-US" dirty="0" smtClean="0"/>
+              <a:t>長期国債・資産担保証券はもともと買ってた</a:t>
+            </a:r>
+            <a:endParaRPr kumimoji="1" lang="en-US" altLang="ja-JP" dirty="0" smtClean="0"/>
+          </a:p>
+          <a:p>
+            <a:pPr lvl="1"/>
+            <a:r>
+              <a:rPr kumimoji="1" lang="ja-JP" altLang="en-US" dirty="0" smtClean="0"/>
+              <a:t>リスク資産</a:t>
+            </a:r>
+            <a:r>
+              <a:rPr kumimoji="1" lang="en-US" altLang="ja-JP" dirty="0" smtClean="0"/>
+              <a:t>(</a:t>
+            </a:r>
+            <a:r>
+              <a:rPr kumimoji="1" lang="ja-JP" altLang="en-US" dirty="0" smtClean="0"/>
+              <a:t>株・</a:t>
+            </a:r>
+            <a:r>
+              <a:rPr kumimoji="1" lang="en-US" altLang="ja-JP" dirty="0" smtClean="0"/>
+              <a:t>ETF</a:t>
+            </a:r>
+            <a:r>
+              <a:rPr kumimoji="1" lang="ja-JP" altLang="en-US" dirty="0" smtClean="0"/>
+              <a:t>・外貨資産・</a:t>
+            </a:r>
+            <a:r>
+              <a:rPr kumimoji="1" lang="en-US" altLang="ja-JP" dirty="0" smtClean="0"/>
+              <a:t>REIT)</a:t>
+            </a:r>
+            <a:r>
+              <a:rPr kumimoji="1" lang="ja-JP" altLang="en-US" dirty="0" smtClean="0"/>
+              <a:t>も買い始めた</a:t>
+            </a:r>
+            <a:r>
+              <a:rPr lang="en-US" altLang="ja-JP" dirty="0" smtClean="0"/>
+              <a:t>.</a:t>
+            </a:r>
+            <a:br>
+              <a:rPr lang="en-US" altLang="ja-JP" dirty="0" smtClean="0"/>
+            </a:br>
+            <a:r>
+              <a:rPr kumimoji="1" lang="ja-JP" altLang="en-US" dirty="0" smtClean="0"/>
+              <a:t>そもそも意味あるか？</a:t>
+            </a:r>
+            <a:endParaRPr kumimoji="1" lang="en-US" altLang="ja-JP" dirty="0" smtClean="0"/>
+          </a:p>
+          <a:p>
+            <a:pPr marL="914400" lvl="2" indent="0">
+              <a:buNone/>
+            </a:pPr>
+            <a:r>
+              <a:rPr kumimoji="1" lang="ja-JP" altLang="en-US" dirty="0" smtClean="0"/>
+              <a:t>→長期的にはない。</a:t>
+            </a:r>
+            <a:r>
+              <a:rPr kumimoji="1" lang="en-US" altLang="ja-JP" dirty="0" smtClean="0"/>
+              <a:t>(</a:t>
+            </a:r>
+            <a:r>
+              <a:rPr kumimoji="1" lang="ja-JP" altLang="en-US" dirty="0" smtClean="0"/>
+              <a:t>短期的には、ボラの抑制につながる？</a:t>
+            </a:r>
+            <a:r>
+              <a:rPr kumimoji="1" lang="en-US" altLang="ja-JP" dirty="0" smtClean="0"/>
+              <a:t>)</a:t>
+            </a:r>
+          </a:p>
+          <a:p>
+            <a:pPr lvl="1"/>
+            <a:r>
+              <a:rPr lang="ja-JP" altLang="en-US" dirty="0" smtClean="0"/>
+              <a:t>中銀の越権では？（特に外貨）</a:t>
+            </a:r>
+            <a:r>
+              <a:rPr lang="en-US" altLang="ja-JP" dirty="0" smtClean="0"/>
+              <a:t/>
+            </a:r>
+            <a:br>
+              <a:rPr lang="en-US" altLang="ja-JP" dirty="0" smtClean="0"/>
+            </a:br>
+            <a:r>
+              <a:rPr lang="ja-JP" altLang="en-US" dirty="0" smtClean="0"/>
+              <a:t>→円の流通を増やして、円安に導いた。という説</a:t>
+            </a:r>
+            <a:r>
+              <a:rPr lang="en-US" altLang="ja-JP" dirty="0" smtClean="0"/>
+              <a:t>.</a:t>
+            </a:r>
+            <a:br>
+              <a:rPr lang="en-US" altLang="ja-JP" dirty="0" smtClean="0"/>
+            </a:br>
+            <a:r>
+              <a:rPr lang="en-US" altLang="ja-JP" dirty="0" smtClean="0"/>
+              <a:t>(</a:t>
+            </a:r>
+            <a:r>
+              <a:rPr lang="ja-JP" altLang="en-US" dirty="0" smtClean="0"/>
+              <a:t>日本は政府が為替介入の権限をもつ</a:t>
+            </a:r>
+            <a:r>
+              <a:rPr lang="en-US" altLang="ja-JP" dirty="0" smtClean="0"/>
+              <a:t>)</a:t>
+            </a:r>
+          </a:p>
+          <a:p>
+            <a:pPr lvl="1"/>
+            <a:endParaRPr lang="en-US" altLang="ja-JP" dirty="0" smtClean="0"/>
+          </a:p>
+          <a:p>
+            <a:pPr lvl="1"/>
+            <a:endParaRPr lang="en-US" altLang="ja-JP" dirty="0"/>
+          </a:p>
+          <a:p>
+            <a:pPr lvl="1"/>
+            <a:endParaRPr kumimoji="1" lang="en-US" altLang="ja-JP" dirty="0" smtClean="0"/>
+          </a:p>
+          <a:p>
+            <a:endParaRPr lang="en-US" altLang="ja-JP" dirty="0"/>
+          </a:p>
+          <a:p>
+            <a:endParaRPr kumimoji="1" lang="ja-JP" altLang="en-US" dirty="0"/>
+          </a:p>
+        </p:txBody>
+      </p:sp>
+      <p:sp>
+        <p:nvSpPr>
+          <p:cNvPr id="4" name="スライド番号プレースホルダー 3"/>
+          <p:cNvSpPr>
+            <a:spLocks noGrp="1"/>
+          </p:cNvSpPr>
+          <p:nvPr>
+            <p:ph type="sldNum" sz="quarter" idx="12"/>
+          </p:nvPr>
+        </p:nvSpPr>
+        <p:spPr/>
+        <p:txBody>
+          <a:bodyPr/>
+          <a:lstStyle/>
+          <a:p>
+            <a:fld id="{2DD9D90A-4D94-4525-A16D-2717D27F54F2}" type="slidenum">
+              <a:rPr kumimoji="1" lang="ja-JP" altLang="en-US" smtClean="0"/>
+              <a:pPr/>
+              <a:t>9</a:t>
+            </a:fld>
+            <a:endParaRPr kumimoji="1" lang="ja-JP" altLang="en-US" dirty="0"/>
+          </a:p>
+        </p:txBody>
+      </p:sp>
+      <p:sp>
+        <p:nvSpPr>
+          <p:cNvPr id="5" name="フッター プレースホルダー 4"/>
+          <p:cNvSpPr>
+            <a:spLocks noGrp="1"/>
+          </p:cNvSpPr>
+          <p:nvPr>
+            <p:ph type="ftr" sz="quarter" idx="11"/>
+          </p:nvPr>
+        </p:nvSpPr>
+        <p:spPr/>
+        <p:txBody>
+          <a:bodyPr/>
+          <a:lstStyle/>
+          <a:p>
+            <a:r>
+              <a:rPr kumimoji="1" lang="en-US" altLang="ja-JP" smtClean="0"/>
+              <a:t>/9</a:t>
+            </a:r>
+            <a:endParaRPr kumimoji="1" lang="ja-JP" altLang="en-US" dirty="0"/>
+          </a:p>
+        </p:txBody>
+      </p:sp>
+    </p:spTree>
+    <p:extLst>
+      <p:ext uri="{BB962C8B-B14F-4D97-AF65-F5344CB8AC3E}">
+        <p14:creationId xmlns:p14="http://schemas.microsoft.com/office/powerpoint/2010/main" val="3331107236"/>
       </p:ext>
     </p:extLst>
   </p:cSld>
@@ -5649,7 +7109,7 @@
   <a:extraClrSchemeLst/>
   <a:extLst>
     <a:ext uri="{05A4C25C-085E-4340-85A3-A5531E510DB2}">
-      <thm15:themeFamily xmlns:thm15="http://schemas.microsoft.com/office/thememl/2012/main" name="Office Theme" id="{62F939B6-93AF-4DB8-9C6B-D6C7DFDC589F}" vid="{4A3C46E8-61CC-4603-A589-7422A47A8E4A}"/>
+      <thm15:themeFamily xmlns:thm15="http://schemas.microsoft.com/office/thememl/2012/main" xmlns="" name="Office Theme" id="{62F939B6-93AF-4DB8-9C6B-D6C7DFDC589F}" vid="{4A3C46E8-61CC-4603-A589-7422A47A8E4A}"/>
     </a:ext>
   </a:extLst>
 </a:theme>
@@ -5910,7 +7370,7 @@
   <a:extraClrSchemeLst/>
   <a:extLst>
     <a:ext uri="{05A4C25C-085E-4340-85A3-A5531E510DB2}">
-      <thm15:themeFamily xmlns:thm15="http://schemas.microsoft.com/office/thememl/2012/main" name="Office Theme" id="{62F939B6-93AF-4DB8-9C6B-D6C7DFDC589F}" vid="{4A3C46E8-61CC-4603-A589-7422A47A8E4A}"/>
+      <thm15:themeFamily xmlns:thm15="http://schemas.microsoft.com/office/thememl/2012/main" xmlns="" name="Office Theme" id="{62F939B6-93AF-4DB8-9C6B-D6C7DFDC589F}" vid="{4A3C46E8-61CC-4603-A589-7422A47A8E4A}"/>
     </a:ext>
   </a:extLst>
 </a:theme>
@@ -6171,7 +7631,7 @@
   <a:extraClrSchemeLst/>
   <a:extLst>
     <a:ext uri="{05A4C25C-085E-4340-85A3-A5531E510DB2}">
-      <thm15:themeFamily xmlns:thm15="http://schemas.microsoft.com/office/thememl/2012/main" name="Office Theme" id="{62F939B6-93AF-4DB8-9C6B-D6C7DFDC589F}" vid="{4A3C46E8-61CC-4603-A589-7422A47A8E4A}"/>
+      <thm15:themeFamily xmlns:thm15="http://schemas.microsoft.com/office/thememl/2012/main" xmlns="" name="Office Theme" id="{62F939B6-93AF-4DB8-9C6B-D6C7DFDC589F}" vid="{4A3C46E8-61CC-4603-A589-7422A47A8E4A}"/>
     </a:ext>
   </a:extLst>
 </a:theme>

--- a/Sec_18/現代の金融政策_18.pptx
+++ b/Sec_18/現代の金融政策_18.pptx
@@ -120,7 +120,7 @@
   </p:defaultTextStyle>
   <p:extLst>
     <p:ext uri="{EFAFB233-063F-42B5-8137-9DF3F51BA10A}">
-      <p15:sldGuideLst xmlns:p15="http://schemas.microsoft.com/office/powerpoint/2012/main" xmlns="">
+      <p15:sldGuideLst xmlns:p15="http://schemas.microsoft.com/office/powerpoint/2012/main">
         <p15:guide id="1" orient="horz" pos="2160" userDrawn="1">
           <p15:clr>
             <a:srgbClr val="A4A3A4"/>
@@ -134,7 +134,7 @@
       </p15:sldGuideLst>
     </p:ext>
     <p:ext uri="{2D200454-40CA-4A62-9FC3-DE9A4176ACB9}">
-      <p15:notesGuideLst xmlns:p15="http://schemas.microsoft.com/office/powerpoint/2012/main" xmlns=""/>
+      <p15:notesGuideLst xmlns:p15="http://schemas.microsoft.com/office/powerpoint/2012/main"/>
     </p:ext>
   </p:extLst>
 </p:presentation>
@@ -222,7 +222,7 @@
           <a:p>
             <a:fld id="{3F136F1A-FE36-4A59-A811-D828BB54BDD2}" type="datetime1">
               <a:rPr kumimoji="1" lang="ja-JP" altLang="en-US" smtClean="0"/>
-              <a:t>2018/7/30</a:t>
+              <a:t>2018/7/31</a:t>
             </a:fld>
             <a:endParaRPr kumimoji="1" lang="ja-JP" altLang="en-US"/>
           </a:p>
@@ -388,7 +388,7 @@
           <a:p>
             <a:fld id="{226C42E8-005F-46D7-AA53-D596D543FBA7}" type="datetime1">
               <a:rPr kumimoji="1" lang="ja-JP" altLang="en-US" smtClean="0"/>
-              <a:t>2018/7/30</a:t>
+              <a:t>2018/7/31</a:t>
             </a:fld>
             <a:endParaRPr kumimoji="1" lang="ja-JP" altLang="en-US"/>
           </a:p>
@@ -754,7 +754,7 @@
           <a:p>
             <a:fld id="{DF70F694-2B18-4509-A853-01A6DE26FB3C}" type="datetime1">
               <a:rPr kumimoji="1" lang="ja-JP" altLang="en-US" smtClean="0"/>
-              <a:t>2018/7/30</a:t>
+              <a:t>2018/7/31</a:t>
             </a:fld>
             <a:endParaRPr kumimoji="1" lang="ja-JP" altLang="en-US"/>
           </a:p>
@@ -4241,12 +4241,17 @@
         </p:nvSpPr>
         <p:spPr/>
         <p:txBody>
-          <a:bodyPr/>
+          <a:bodyPr>
+            <a:normAutofit/>
+          </a:bodyPr>
           <a:lstStyle/>
           <a:p>
             <a:endParaRPr kumimoji="1" lang="en-US" altLang="ja-JP" dirty="0" smtClean="0"/>
           </a:p>
           <a:p>
+            <a:pPr marL="0" indent="0">
+              <a:buNone/>
+            </a:pPr>
             <a:r>
               <a:rPr lang="ja-JP" altLang="en-US" dirty="0" smtClean="0"/>
               <a:t>我々</a:t>
@@ -4272,7 +4277,11 @@
             </a:r>
             <a:r>
               <a:rPr lang="ja-JP" altLang="en-US" dirty="0" smtClean="0"/>
-              <a:t>「正解」はないが、ここでは著者の考え方を示す。</a:t>
+              <a:t>「正解」はないが、ここでは著者の考え方を示す</a:t>
+            </a:r>
+            <a:r>
+              <a:rPr lang="ja-JP" altLang="en-US" dirty="0" smtClean="0"/>
+              <a:t>。</a:t>
             </a:r>
             <a:endParaRPr lang="en-US" altLang="ja-JP" dirty="0" smtClean="0"/>
           </a:p>
@@ -4338,13 +4347,16 @@
             </a:r>
           </a:p>
           <a:p>
-            <a:pPr lvl="1"/>
-            <a:endParaRPr kumimoji="1" lang="en-US" altLang="ja-JP" dirty="0" smtClean="0"/>
-          </a:p>
-          <a:p>
+            <a:pPr marL="0" indent="0">
+              <a:buNone/>
+            </a:pPr>
             <a:endParaRPr lang="en-US" altLang="ja-JP" dirty="0"/>
           </a:p>
           <a:p>
+            <a:pPr marL="457200" indent="-457200">
+              <a:buFont typeface="+mj-lt"/>
+              <a:buAutoNum type="arabicPeriod"/>
+            </a:pPr>
             <a:r>
               <a:rPr kumimoji="1" lang="ja-JP" altLang="en-US" dirty="0" smtClean="0"/>
               <a:t>量的緩和とは</a:t>
@@ -4352,6 +4364,10 @@
             <a:endParaRPr kumimoji="1" lang="en-US" altLang="ja-JP" dirty="0" smtClean="0"/>
           </a:p>
           <a:p>
+            <a:pPr marL="457200" indent="-457200">
+              <a:buFont typeface="+mj-lt"/>
+              <a:buAutoNum type="arabicPeriod"/>
+            </a:pPr>
             <a:r>
               <a:rPr lang="ja-JP" altLang="en-US" dirty="0" smtClean="0"/>
               <a:t>ゼロ金利下の政策アプローチ</a:t>
@@ -4359,6 +4375,10 @@
             <a:endParaRPr lang="en-US" altLang="ja-JP" dirty="0" smtClean="0"/>
           </a:p>
           <a:p>
+            <a:pPr marL="457200" indent="-457200">
+              <a:buFont typeface="+mj-lt"/>
+              <a:buAutoNum type="arabicPeriod"/>
+            </a:pPr>
             <a:r>
               <a:rPr kumimoji="1" lang="ja-JP" altLang="en-US" dirty="0" smtClean="0"/>
               <a:t>景気・物価への影響</a:t>
@@ -4366,6 +4386,10 @@
             <a:endParaRPr kumimoji="1" lang="en-US" altLang="ja-JP" dirty="0" smtClean="0"/>
           </a:p>
           <a:p>
+            <a:pPr marL="457200" indent="-457200">
+              <a:buFont typeface="+mj-lt"/>
+              <a:buAutoNum type="arabicPeriod"/>
+            </a:pPr>
             <a:r>
               <a:rPr lang="ja-JP" altLang="en-US" dirty="0"/>
               <a:t>システム</a:t>
@@ -4377,6 +4401,10 @@
             <a:endParaRPr lang="en-US" altLang="ja-JP" dirty="0" smtClean="0"/>
           </a:p>
           <a:p>
+            <a:pPr marL="457200" indent="-457200">
+              <a:buFont typeface="+mj-lt"/>
+              <a:buAutoNum type="arabicPeriod"/>
+            </a:pPr>
             <a:r>
               <a:rPr kumimoji="1" lang="ja-JP" altLang="en-US" dirty="0" smtClean="0"/>
               <a:t>政策運営上の論点</a:t>
@@ -4384,6 +4412,73 @@
             <a:endParaRPr kumimoji="1" lang="en-US" altLang="ja-JP" dirty="0" smtClean="0"/>
           </a:p>
           <a:p>
+            <a:endParaRPr kumimoji="1" lang="en-US" altLang="ja-JP" dirty="0" smtClean="0"/>
+          </a:p>
+          <a:p>
+            <a:pPr marL="0" indent="0">
+              <a:buNone/>
+            </a:pPr>
+            <a:r>
+              <a:rPr kumimoji="1" lang="en-US" altLang="ja-JP" dirty="0" smtClean="0"/>
+              <a:t>(※</a:t>
+            </a:r>
+            <a:r>
+              <a:rPr kumimoji="1" lang="ja-JP" altLang="en-US" dirty="0" smtClean="0"/>
+              <a:t>この章を通して、白川さんは量的緩和に懐疑的と思われる</a:t>
+            </a:r>
+            <a:r>
+              <a:rPr kumimoji="1" lang="en-US" altLang="ja-JP" dirty="0" smtClean="0"/>
+              <a:t>.)</a:t>
+            </a:r>
+          </a:p>
+          <a:p>
+            <a:pPr marL="0" indent="0">
+              <a:buNone/>
+            </a:pPr>
+            <a:r>
+              <a:rPr lang="en-US" altLang="ja-JP" dirty="0"/>
+              <a:t>	</a:t>
+            </a:r>
+            <a:r>
+              <a:rPr lang="ja-JP" altLang="en-US" dirty="0" smtClean="0"/>
+              <a:t>→</a:t>
+            </a:r>
+            <a:r>
+              <a:rPr lang="en-US" altLang="ja-JP" dirty="0" smtClean="0"/>
+              <a:t>”</a:t>
+            </a:r>
+            <a:r>
+              <a:rPr lang="ja-JP" altLang="en-US" dirty="0" smtClean="0"/>
+              <a:t>量</a:t>
+            </a:r>
+            <a:r>
+              <a:rPr lang="en-US" altLang="ja-JP" dirty="0" smtClean="0"/>
+              <a:t>”</a:t>
+            </a:r>
+            <a:r>
+              <a:rPr lang="ja-JP" altLang="en-US" dirty="0" smtClean="0"/>
+              <a:t>よりも</a:t>
+            </a:r>
+            <a:r>
+              <a:rPr lang="en-US" altLang="ja-JP" dirty="0" smtClean="0"/>
+              <a:t>”</a:t>
+            </a:r>
+            <a:r>
+              <a:rPr lang="ja-JP" altLang="en-US" dirty="0" smtClean="0"/>
+              <a:t>持続的な約束</a:t>
+            </a:r>
+            <a:r>
+              <a:rPr lang="en-US" altLang="ja-JP" dirty="0" smtClean="0"/>
+              <a:t>”</a:t>
+            </a:r>
+            <a:r>
+              <a:rPr lang="ja-JP" altLang="en-US" dirty="0" smtClean="0"/>
+              <a:t>がコミットした</a:t>
+            </a:r>
+            <a:r>
+              <a:rPr lang="en-US" altLang="ja-JP" dirty="0" smtClean="0"/>
+              <a:t>.</a:t>
+            </a:r>
             <a:endParaRPr kumimoji="1" lang="ja-JP" altLang="en-US" dirty="0"/>
           </a:p>
         </p:txBody>
@@ -4534,136 +4629,176 @@
             </a:br>
             <a:r>
               <a:rPr kumimoji="1" lang="ja-JP" altLang="en-US" dirty="0" smtClean="0"/>
-              <a:t>→対策として、「量的緩和政策」を導入</a:t>
+              <a:t>→すでに政策金利はゼロ％</a:t>
             </a:r>
             <a:r>
               <a:rPr kumimoji="1" lang="en-US" altLang="ja-JP" dirty="0" smtClean="0"/>
               <a:t>.</a:t>
-            </a:r>
-          </a:p>
-          <a:p>
-            <a:pPr lvl="1"/>
-            <a:r>
-              <a:rPr kumimoji="1" lang="ja-JP" altLang="en-US" dirty="0" smtClean="0"/>
-              <a:t>従来</a:t>
-            </a:r>
-            <a:r>
-              <a:rPr lang="en-US" altLang="ja-JP" dirty="0"/>
-              <a:t>:</a:t>
-            </a:r>
-            <a:r>
-              <a:rPr kumimoji="1" lang="ja-JP" altLang="en-US" dirty="0" smtClean="0"/>
-              <a:t>短期</a:t>
-            </a:r>
-            <a:r>
-              <a:rPr kumimoji="1" lang="en-US" altLang="ja-JP" dirty="0" smtClean="0"/>
-              <a:t>(</a:t>
-            </a:r>
-            <a:r>
-              <a:rPr kumimoji="1" lang="ja-JP" altLang="en-US" dirty="0" smtClean="0"/>
-              <a:t>政策</a:t>
-            </a:r>
-            <a:r>
-              <a:rPr kumimoji="1" lang="en-US" altLang="ja-JP" dirty="0" smtClean="0"/>
-              <a:t>)</a:t>
-            </a:r>
-            <a:r>
-              <a:rPr kumimoji="1" lang="ja-JP" altLang="en-US" dirty="0" smtClean="0"/>
-              <a:t>金利のコントロール</a:t>
-            </a:r>
-            <a:r>
-              <a:rPr kumimoji="1" lang="en-US" altLang="ja-JP" dirty="0" smtClean="0"/>
-              <a:t/>
             </a:r>
             <a:br>
               <a:rPr kumimoji="1" lang="en-US" altLang="ja-JP" dirty="0" smtClean="0"/>
             </a:br>
             <a:r>
+              <a:rPr kumimoji="1" lang="ja-JP" altLang="en-US" dirty="0" smtClean="0"/>
+              <a:t>　→更なる緩和政策として「</a:t>
+            </a:r>
+            <a:r>
+              <a:rPr kumimoji="1" lang="ja-JP" altLang="en-US" dirty="0" smtClean="0"/>
+              <a:t>量的緩和政策」を導入</a:t>
+            </a:r>
+            <a:r>
               <a:rPr kumimoji="1" lang="en-US" altLang="ja-JP" dirty="0" smtClean="0"/>
+              <a:t>.</a:t>
+            </a:r>
+          </a:p>
+          <a:p>
+            <a:pPr marL="457200" lvl="1" indent="0">
+              <a:buNone/>
+            </a:pPr>
+            <a:r>
+              <a:rPr kumimoji="1" lang="ja-JP" altLang="en-US" dirty="0" smtClean="0"/>
+              <a:t>「金利</a:t>
+            </a:r>
+            <a:r>
+              <a:rPr kumimoji="1" lang="ja-JP" altLang="en-US" dirty="0" smtClean="0"/>
+              <a:t>の</a:t>
+            </a:r>
+            <a:r>
+              <a:rPr kumimoji="1" lang="ja-JP" altLang="en-US" dirty="0" smtClean="0"/>
+              <a:t>コントロール」</a:t>
+            </a:r>
+            <a:r>
+              <a:rPr lang="ja-JP" altLang="en-US" dirty="0" smtClean="0"/>
+              <a:t>から「</a:t>
+            </a:r>
+            <a:r>
+              <a:rPr kumimoji="1" lang="ja-JP" altLang="en-US" dirty="0" smtClean="0"/>
+              <a:t>当座</a:t>
+            </a:r>
+            <a:r>
+              <a:rPr kumimoji="1" lang="ja-JP" altLang="en-US" dirty="0" smtClean="0"/>
+              <a:t>預金</a:t>
+            </a:r>
+            <a:r>
+              <a:rPr kumimoji="1" lang="ja-JP" altLang="en-US" dirty="0" smtClean="0"/>
+              <a:t>口座額のコントロール」へ</a:t>
+            </a:r>
+            <a:r>
+              <a:rPr kumimoji="1" lang="ja-JP" altLang="en-US" dirty="0" smtClean="0"/>
+              <a:t>。</a:t>
+            </a:r>
+            <a:endParaRPr kumimoji="1" lang="en-US" altLang="ja-JP" dirty="0" smtClean="0"/>
+          </a:p>
+          <a:p>
+            <a:r>
+              <a:rPr lang="ja-JP" altLang="en-US" dirty="0" smtClean="0"/>
+              <a:t>これまでとの大きな違い</a:t>
+            </a:r>
+            <a:endParaRPr lang="en-US" altLang="ja-JP" dirty="0" smtClean="0"/>
+          </a:p>
+          <a:p>
+            <a:pPr lvl="1"/>
+            <a:r>
+              <a:rPr lang="ja-JP" altLang="en-US" dirty="0" smtClean="0"/>
+              <a:t>短期</a:t>
+            </a:r>
+            <a:r>
+              <a:rPr lang="ja-JP" altLang="en-US" dirty="0" smtClean="0"/>
+              <a:t>金利がほぼゼロ</a:t>
+            </a:r>
+            <a:r>
+              <a:rPr lang="en-US" altLang="ja-JP" dirty="0" smtClean="0"/>
+              <a:t>%</a:t>
+            </a:r>
+            <a:r>
+              <a:rPr lang="ja-JP" altLang="en-US" dirty="0" smtClean="0"/>
+              <a:t>に</a:t>
+            </a:r>
+            <a:r>
+              <a:rPr lang="en-US" altLang="ja-JP" dirty="0" smtClean="0"/>
+              <a:t>.</a:t>
+            </a:r>
+          </a:p>
+          <a:p>
+            <a:pPr lvl="1"/>
+            <a:r>
+              <a:rPr lang="ja-JP" altLang="en-US" dirty="0" smtClean="0"/>
+              <a:t>当座預金口座</a:t>
+            </a:r>
+            <a:r>
+              <a:rPr lang="en-US" altLang="ja-JP" dirty="0" smtClean="0"/>
+              <a:t>/GDP</a:t>
+            </a:r>
+            <a:r>
+              <a:rPr lang="ja-JP" altLang="en-US" dirty="0" smtClean="0"/>
+              <a:t>が肥大化</a:t>
+            </a:r>
+            <a:r>
+              <a:rPr lang="en-US" altLang="ja-JP" dirty="0" smtClean="0"/>
+              <a:t>.</a:t>
+            </a:r>
+          </a:p>
+          <a:p>
+            <a:pPr lvl="1"/>
+            <a:r>
+              <a:rPr lang="ja-JP" altLang="en-US" b="1" dirty="0" smtClean="0"/>
+              <a:t>「特定の指標基準</a:t>
+            </a:r>
+            <a:r>
+              <a:rPr lang="en-US" altLang="ja-JP" b="1" dirty="0" smtClean="0"/>
+              <a:t>(</a:t>
+            </a:r>
+            <a:r>
+              <a:rPr lang="ja-JP" altLang="en-US" b="1" dirty="0" smtClean="0"/>
+              <a:t>コア</a:t>
+            </a:r>
+            <a:r>
+              <a:rPr lang="en-US" altLang="ja-JP" b="1" dirty="0" smtClean="0"/>
+              <a:t>CPI)</a:t>
+            </a:r>
+            <a:r>
+              <a:rPr lang="ja-JP" altLang="en-US" b="1" dirty="0" smtClean="0"/>
+              <a:t>で政策金利を決める」</a:t>
+            </a:r>
+            <a:r>
+              <a:rPr lang="ja-JP" altLang="en-US" dirty="0" smtClean="0"/>
+              <a:t>という</a:t>
+            </a:r>
+            <a:r>
+              <a:rPr lang="ja-JP" altLang="en-US" dirty="0" smtClean="0"/>
+              <a:t>枠組み</a:t>
+            </a:r>
+            <a:endParaRPr lang="en-US" altLang="ja-JP" dirty="0"/>
+          </a:p>
+          <a:p>
+            <a:pPr marL="457200" lvl="1" indent="0">
+              <a:buNone/>
+            </a:pPr>
+            <a:r>
+              <a:rPr lang="en-US" altLang="ja-JP" b="1" dirty="0" smtClean="0"/>
               <a:t>	</a:t>
             </a:r>
             <a:r>
-              <a:rPr kumimoji="1" lang="ja-JP" altLang="en-US" dirty="0" smtClean="0"/>
-              <a:t>→当座預金口座のコントロールへ。</a:t>
-            </a:r>
-            <a:endParaRPr kumimoji="1" lang="en-US" altLang="ja-JP" dirty="0" smtClean="0"/>
-          </a:p>
-          <a:p>
-            <a:r>
-              <a:rPr lang="ja-JP" altLang="en-US" dirty="0" smtClean="0"/>
-              <a:t>これまでとの大きな違い</a:t>
-            </a:r>
+              <a:rPr lang="ja-JP" altLang="en-US" b="1" dirty="0" smtClean="0"/>
+              <a:t>→</a:t>
+            </a:r>
+            <a:r>
+              <a:rPr lang="ja-JP" altLang="en-US" b="1" u="sng" dirty="0" smtClean="0"/>
+              <a:t>時間軸効果</a:t>
+            </a:r>
+            <a:endParaRPr lang="en-US" altLang="ja-JP" b="1" u="sng" dirty="0"/>
+          </a:p>
+          <a:p>
             <a:endParaRPr lang="en-US" altLang="ja-JP" dirty="0" smtClean="0"/>
           </a:p>
           <a:p>
-            <a:pPr lvl="1"/>
-            <a:r>
-              <a:rPr lang="ja-JP" altLang="en-US" dirty="0" smtClean="0"/>
-              <a:t>短期金利がほぼゼロ</a:t>
-            </a:r>
-            <a:r>
-              <a:rPr lang="en-US" altLang="ja-JP" dirty="0" smtClean="0"/>
-              <a:t>%</a:t>
-            </a:r>
-            <a:r>
-              <a:rPr lang="ja-JP" altLang="en-US" dirty="0" smtClean="0"/>
-              <a:t>に</a:t>
-            </a:r>
-            <a:r>
-              <a:rPr lang="en-US" altLang="ja-JP" dirty="0" smtClean="0"/>
-              <a:t>.</a:t>
-            </a:r>
-          </a:p>
-          <a:p>
-            <a:pPr lvl="1"/>
-            <a:r>
-              <a:rPr lang="ja-JP" altLang="en-US" dirty="0" smtClean="0"/>
-              <a:t>当座預金口座</a:t>
-            </a:r>
-            <a:r>
-              <a:rPr lang="en-US" altLang="ja-JP" dirty="0" smtClean="0"/>
-              <a:t>/GDP</a:t>
-            </a:r>
-            <a:r>
-              <a:rPr lang="ja-JP" altLang="en-US" dirty="0" smtClean="0"/>
-              <a:t>が肥大化</a:t>
-            </a:r>
-            <a:r>
-              <a:rPr lang="en-US" altLang="ja-JP" dirty="0" smtClean="0"/>
-              <a:t>.</a:t>
-            </a:r>
-          </a:p>
-          <a:p>
-            <a:pPr lvl="1"/>
-            <a:r>
-              <a:rPr lang="ja-JP" altLang="en-US" dirty="0" smtClean="0"/>
-              <a:t>「特定の指標基準</a:t>
-            </a:r>
-            <a:r>
-              <a:rPr lang="en-US" altLang="ja-JP" dirty="0" smtClean="0"/>
-              <a:t>(</a:t>
-            </a:r>
-            <a:r>
-              <a:rPr lang="ja-JP" altLang="en-US" dirty="0" smtClean="0"/>
-              <a:t>コア</a:t>
-            </a:r>
-            <a:r>
-              <a:rPr lang="en-US" altLang="ja-JP" dirty="0" smtClean="0"/>
-              <a:t>CPI)</a:t>
-            </a:r>
-            <a:r>
-              <a:rPr lang="ja-JP" altLang="en-US" dirty="0" smtClean="0"/>
-              <a:t>で政策金利を決める」という枠組み</a:t>
-            </a:r>
-            <a:endParaRPr lang="en-US" altLang="ja-JP" dirty="0"/>
-          </a:p>
-          <a:p>
-            <a:endParaRPr lang="en-US" altLang="ja-JP" dirty="0" smtClean="0"/>
-          </a:p>
-          <a:p>
-            <a:r>
-              <a:rPr lang="ja-JP" altLang="en-US" dirty="0" smtClean="0"/>
-              <a:t>その後、</a:t>
+            <a:r>
+              <a:rPr lang="ja-JP" altLang="en-US" dirty="0" smtClean="0"/>
+              <a:t>その後</a:t>
+            </a:r>
+            <a:r>
+              <a:rPr lang="ja-JP" altLang="en-US" dirty="0" err="1" smtClean="0"/>
+              <a:t>、、、</a:t>
             </a:r>
             <a:endParaRPr lang="en-US" altLang="ja-JP" dirty="0" smtClean="0"/>
           </a:p>
@@ -4910,7 +5045,19 @@
             </a:br>
             <a:r>
               <a:rPr lang="ja-JP" altLang="en-US" dirty="0" smtClean="0"/>
-              <a:t>→短期金利だけでなく、ちょっと先の金利もゼロにする。</a:t>
+              <a:t>→</a:t>
+            </a:r>
+            <a:r>
+              <a:rPr lang="ja-JP" altLang="en-US" dirty="0"/>
+              <a:t>政策</a:t>
+            </a:r>
+            <a:r>
+              <a:rPr lang="ja-JP" altLang="en-US" dirty="0" smtClean="0"/>
+              <a:t>金利</a:t>
+            </a:r>
+            <a:r>
+              <a:rPr lang="ja-JP" altLang="en-US" dirty="0" smtClean="0"/>
+              <a:t>だけでなく、ちょっと先の金利もゼロにする。</a:t>
             </a:r>
             <a:endParaRPr lang="en-US" altLang="ja-JP" dirty="0" smtClean="0"/>
           </a:p>
@@ -4920,8 +5067,16 @@
               <a:buAutoNum type="arabicPeriod"/>
             </a:pPr>
             <a:r>
-              <a:rPr lang="ja-JP" altLang="en-US" dirty="0" smtClean="0"/>
-              <a:t>中銀の購入する資産の変化</a:t>
+              <a:rPr lang="ja-JP" altLang="en-US" dirty="0"/>
+              <a:t>日</a:t>
+            </a:r>
+            <a:r>
+              <a:rPr lang="ja-JP" altLang="en-US" dirty="0" smtClean="0"/>
+              <a:t>銀</a:t>
+            </a:r>
+            <a:r>
+              <a:rPr lang="ja-JP" altLang="en-US" dirty="0" smtClean="0"/>
+              <a:t>の購入する資産の変化</a:t>
             </a:r>
             <a:endParaRPr lang="en-US" altLang="ja-JP" dirty="0" smtClean="0"/>
           </a:p>
@@ -4929,7 +5084,11 @@
             <a:pPr lvl="1"/>
             <a:r>
               <a:rPr kumimoji="1" lang="ja-JP" altLang="en-US" dirty="0" smtClean="0"/>
-              <a:t>国債→リスク資産の購入 </a:t>
+              <a:t>国債の購入→</a:t>
+            </a:r>
+            <a:r>
+              <a:rPr kumimoji="1" lang="ja-JP" altLang="en-US" dirty="0" smtClean="0"/>
+              <a:t>リスク資産の購入 </a:t>
             </a:r>
             <a:r>
               <a:rPr kumimoji="1" lang="en-US" altLang="ja-JP" dirty="0" smtClean="0"/>
@@ -4986,15 +5145,43 @@
             <a:pPr lvl="1"/>
             <a:r>
               <a:rPr lang="ja-JP" altLang="en-US" dirty="0" smtClean="0"/>
-              <a:t>国債購入だけで</a:t>
-            </a:r>
-            <a:r>
-              <a:rPr lang="en-US" altLang="ja-JP" dirty="0" smtClean="0"/>
-              <a:t>BS</a:t>
-            </a:r>
-            <a:r>
-              <a:rPr lang="ja-JP" altLang="en-US" dirty="0" smtClean="0"/>
-              <a:t>を拡大していくと、金利ゼロになるとそれ以上買えない。</a:t>
+              <a:t>国債購入だけ</a:t>
+            </a:r>
+            <a:r>
+              <a:rPr lang="ja-JP" altLang="en-US" dirty="0" smtClean="0"/>
+              <a:t>で</a:t>
+            </a:r>
+            <a:r>
+              <a:rPr lang="ja-JP" altLang="en-US" dirty="0" smtClean="0"/>
+              <a:t>量</a:t>
+            </a:r>
+            <a:r>
+              <a:rPr lang="en-US" altLang="ja-JP" dirty="0" smtClean="0"/>
+              <a:t>(</a:t>
+            </a:r>
+            <a:r>
+              <a:rPr lang="ja-JP" altLang="en-US" dirty="0" smtClean="0"/>
+              <a:t>日銀の</a:t>
+            </a:r>
+            <a:r>
+              <a:rPr lang="en-US" altLang="ja-JP" dirty="0" smtClean="0"/>
+              <a:t>BS)</a:t>
+            </a:r>
+            <a:r>
+              <a:rPr lang="ja-JP" altLang="en-US" dirty="0" smtClean="0"/>
+              <a:t>を拡大して</a:t>
+            </a:r>
+            <a:r>
+              <a:rPr lang="ja-JP" altLang="en-US" dirty="0" smtClean="0"/>
+              <a:t>いくと</a:t>
+            </a:r>
+            <a:r>
+              <a:rPr lang="ja-JP" altLang="en-US" dirty="0" smtClean="0"/>
+              <a:t>、金利</a:t>
+            </a:r>
+            <a:r>
+              <a:rPr lang="ja-JP" altLang="en-US" dirty="0" smtClean="0"/>
+              <a:t>ゼロになるとそれ以上買えない。</a:t>
             </a:r>
             <a:endParaRPr lang="en-US" altLang="ja-JP" dirty="0" smtClean="0"/>
           </a:p>
@@ -5018,15 +5205,39 @@
             </a:r>
             <a:r>
               <a:rPr kumimoji="1" lang="ja-JP" altLang="en-US" dirty="0" smtClean="0"/>
-              <a:t> ⇔ 購入資産の変化</a:t>
+              <a:t> ⇔ </a:t>
             </a:r>
             <a:r>
               <a:rPr kumimoji="1" lang="en-US" altLang="ja-JP" dirty="0" smtClean="0"/>
-              <a:t>(2.)</a:t>
+              <a:t>(</a:t>
+            </a:r>
+            <a:r>
+              <a:rPr lang="ja-JP" altLang="en-US" dirty="0"/>
+              <a:t>一定</a:t>
+            </a:r>
+            <a:r>
+              <a:rPr lang="ja-JP" altLang="en-US" dirty="0" smtClean="0"/>
+              <a:t>以上</a:t>
+            </a:r>
+            <a:r>
+              <a:rPr lang="ja-JP" altLang="en-US" dirty="0"/>
+              <a:t>の</a:t>
+            </a:r>
+            <a:r>
+              <a:rPr kumimoji="1" lang="en-US" altLang="ja-JP" dirty="0" smtClean="0"/>
+              <a:t>)BS</a:t>
             </a:r>
             <a:r>
               <a:rPr kumimoji="1" lang="ja-JP" altLang="en-US" dirty="0" smtClean="0"/>
-              <a:t>を常に伴う</a:t>
+              <a:t>拡大には、常に購入</a:t>
+            </a:r>
+            <a:r>
+              <a:rPr kumimoji="1" lang="ja-JP" altLang="en-US" dirty="0" smtClean="0"/>
+              <a:t>資産の</a:t>
+            </a:r>
+            <a:r>
+              <a:rPr kumimoji="1" lang="ja-JP" altLang="en-US" dirty="0" smtClean="0"/>
+              <a:t>変化を伴う</a:t>
             </a:r>
             <a:r>
               <a:rPr kumimoji="1" lang="en-US" altLang="ja-JP" dirty="0" smtClean="0"/>
@@ -5303,34 +5514,44 @@
             <a:pPr lvl="3"/>
             <a:r>
               <a:rPr lang="ja-JP" altLang="en-US" dirty="0" smtClean="0"/>
-              <a:t>景気後退局面では、予想金利はいずれにせよ低いので、時間軸効果も限定的</a:t>
-            </a:r>
-            <a:r>
-              <a:rPr lang="en-US" altLang="ja-JP" dirty="0"/>
+              <a:t>景気後退</a:t>
+            </a:r>
+            <a:r>
+              <a:rPr lang="ja-JP" altLang="en-US" dirty="0" smtClean="0"/>
+              <a:t>局面は</a:t>
+            </a:r>
+            <a:r>
+              <a:rPr lang="ja-JP" altLang="en-US" dirty="0" smtClean="0"/>
+              <a:t>、予想金利はいずれにせよ低いので、時間軸効果も限定的</a:t>
+            </a:r>
+            <a:r>
+              <a:rPr lang="en-US" altLang="ja-JP" dirty="0" smtClean="0"/>
               <a:t>.</a:t>
             </a:r>
-            <a:r>
-              <a:rPr lang="en-US" altLang="ja-JP" dirty="0" smtClean="0"/>
-              <a:t/>
-            </a:r>
-            <a:br>
-              <a:rPr lang="en-US" altLang="ja-JP" dirty="0" smtClean="0"/>
-            </a:br>
-            <a:r>
-              <a:rPr lang="ja-JP" altLang="en-US" dirty="0" smtClean="0"/>
-              <a:t>景気回復局面では、予想金利が上昇するので、時間軸</a:t>
-            </a:r>
-            <a:r>
-              <a:rPr lang="ja-JP" altLang="en-US" dirty="0" smtClean="0"/>
-              <a:t>効果は大きい</a:t>
+            <a:endParaRPr lang="en-US" altLang="ja-JP" dirty="0"/>
+          </a:p>
+          <a:p>
+            <a:pPr lvl="3"/>
+            <a:r>
+              <a:rPr lang="ja-JP" altLang="en-US" dirty="0" smtClean="0"/>
+              <a:t>景気</a:t>
+            </a:r>
+            <a:r>
+              <a:rPr lang="ja-JP" altLang="en-US" dirty="0" smtClean="0"/>
+              <a:t>回復</a:t>
+            </a:r>
+            <a:r>
+              <a:rPr lang="ja-JP" altLang="en-US" dirty="0" smtClean="0"/>
+              <a:t>局面は</a:t>
+            </a:r>
+            <a:r>
+              <a:rPr lang="ja-JP" altLang="en-US" dirty="0" smtClean="0"/>
+              <a:t>、予想金利が上昇するので、時間軸効果は大きい</a:t>
             </a:r>
             <a:r>
               <a:rPr lang="en-US" altLang="ja-JP" dirty="0" smtClean="0"/>
               <a:t>.</a:t>
             </a:r>
-            <a:endParaRPr lang="en-US" altLang="ja-JP" dirty="0"/>
-          </a:p>
-          <a:p>
             <a:endParaRPr kumimoji="1" lang="en-US" altLang="ja-JP" dirty="0" smtClean="0"/>
           </a:p>
           <a:p>
@@ -5344,15 +5565,23 @@
             <a:pPr lvl="1"/>
             <a:r>
               <a:rPr kumimoji="1" lang="ja-JP" altLang="en-US" dirty="0" smtClean="0"/>
-              <a:t>金利が下がりすぎて、札割れが頻発</a:t>
-            </a:r>
-            <a:r>
-              <a:rPr kumimoji="1" lang="en-US" altLang="ja-JP" dirty="0" smtClean="0"/>
-              <a:t>.</a:t>
-            </a:r>
-            <a:r>
-              <a:rPr lang="ja-JP" altLang="en-US" dirty="0" smtClean="0"/>
-              <a:t>札割れ防止のために</a:t>
+              <a:t>金利が下がりすぎて、札割れが</a:t>
+            </a:r>
+            <a:r>
+              <a:rPr kumimoji="1" lang="ja-JP" altLang="en-US" dirty="0" smtClean="0"/>
+              <a:t>頻発</a:t>
+            </a:r>
+            <a:r>
+              <a:rPr lang="ja-JP" altLang="en-US" dirty="0" smtClean="0"/>
+              <a:t>したので</a:t>
+            </a:r>
+            <a:r>
+              <a:rPr lang="ja-JP" altLang="en-US" dirty="0" smtClean="0"/>
+              <a:t>防止</a:t>
+            </a:r>
+            <a:r>
+              <a:rPr lang="ja-JP" altLang="en-US" dirty="0" smtClean="0"/>
+              <a:t>のために</a:t>
             </a:r>
             <a:r>
               <a:rPr lang="ja-JP" altLang="en-US" dirty="0" err="1" smtClean="0"/>
@@ -5363,107 +5592,169 @@
           <a:p>
             <a:pPr lvl="2"/>
             <a:r>
+              <a:rPr lang="ja-JP" altLang="en-US" dirty="0" smtClean="0"/>
+              <a:t>発行する国債</a:t>
+            </a:r>
+            <a:r>
+              <a:rPr lang="ja-JP" altLang="en-US" dirty="0" smtClean="0"/>
+              <a:t>の長期化</a:t>
+            </a:r>
+            <a:r>
+              <a:rPr lang="en-US" altLang="ja-JP" dirty="0" smtClean="0"/>
+              <a:t>.</a:t>
+            </a:r>
+          </a:p>
+          <a:p>
+            <a:pPr marL="1371600" lvl="3" indent="0">
+              <a:buNone/>
+            </a:pPr>
+            <a:r>
+              <a:rPr lang="ja-JP" altLang="en-US" dirty="0" smtClean="0"/>
+              <a:t>→</a:t>
+            </a:r>
+            <a:r>
+              <a:rPr lang="ja-JP" altLang="en-US" dirty="0" smtClean="0"/>
+              <a:t>長いタームものは金利がある程度高いので、下げる余地がある</a:t>
+            </a:r>
+            <a:r>
+              <a:rPr lang="en-US" altLang="ja-JP" dirty="0" smtClean="0"/>
+              <a:t>.</a:t>
+            </a:r>
+            <a:br>
+              <a:rPr lang="en-US" altLang="ja-JP" dirty="0" smtClean="0"/>
+            </a:br>
+            <a:r>
+              <a:rPr lang="ja-JP" altLang="en-US" dirty="0" smtClean="0"/>
+              <a:t>　⇒タームプレミアムの縮小→信用</a:t>
+            </a:r>
+            <a:r>
+              <a:rPr lang="en-US" altLang="ja-JP" dirty="0" smtClean="0"/>
+              <a:t>Spread</a:t>
+            </a:r>
+            <a:r>
+              <a:rPr lang="ja-JP" altLang="en-US" dirty="0" smtClean="0"/>
+              <a:t>の縮小を招いた</a:t>
+            </a:r>
+            <a:r>
+              <a:rPr lang="en-US" altLang="ja-JP" dirty="0" smtClean="0"/>
+              <a:t>.</a:t>
+            </a:r>
+          </a:p>
+          <a:p>
+            <a:pPr lvl="2"/>
+            <a:r>
+              <a:rPr lang="en-US" altLang="ja-JP" dirty="0" smtClean="0"/>
+              <a:t>(</a:t>
+            </a:r>
+            <a:r>
+              <a:rPr lang="ja-JP" altLang="en-US" dirty="0" smtClean="0"/>
+              <a:t>中銀が</a:t>
+            </a:r>
+            <a:r>
+              <a:rPr lang="en-US" altLang="ja-JP" dirty="0" smtClean="0"/>
+              <a:t>)</a:t>
+            </a:r>
+            <a:r>
+              <a:rPr lang="ja-JP" altLang="en-US" dirty="0" smtClean="0"/>
+              <a:t>民間から長期国債を買う</a:t>
+            </a:r>
+            <a:r>
+              <a:rPr lang="en-US" altLang="ja-JP" dirty="0" smtClean="0"/>
+              <a:t>.</a:t>
+            </a:r>
+          </a:p>
+          <a:p>
+            <a:pPr lvl="3"/>
+            <a:r>
+              <a:rPr lang="ja-JP" altLang="en-US" dirty="0" smtClean="0"/>
+              <a:t>多額で・定期的で・クローズな取引</a:t>
+            </a:r>
+            <a:r>
+              <a:rPr lang="en-US" altLang="ja-JP" dirty="0" smtClean="0"/>
+              <a:t>	</a:t>
+            </a:r>
+          </a:p>
+          <a:p>
+            <a:pPr lvl="3"/>
+            <a:r>
+              <a:rPr lang="ja-JP" altLang="en-US" dirty="0" smtClean="0"/>
+              <a:t>民間部門は流動性の薄い国債を放出した</a:t>
+            </a:r>
+            <a:r>
+              <a:rPr lang="en-US" altLang="ja-JP" dirty="0" smtClean="0"/>
+              <a:t>. </a:t>
+            </a:r>
+            <a:r>
+              <a:rPr lang="ja-JP" altLang="en-US" dirty="0" smtClean="0"/>
+              <a:t>⇒ デュレーションの短期化へ</a:t>
+            </a:r>
+            <a:r>
+              <a:rPr lang="en-US" altLang="ja-JP" dirty="0" smtClean="0"/>
+              <a:t>.</a:t>
+            </a:r>
+          </a:p>
+          <a:p>
+            <a:pPr lvl="1"/>
+            <a:r>
+              <a:rPr lang="ja-JP" altLang="en-US" dirty="0" smtClean="0"/>
+              <a:t>為替介入</a:t>
+            </a:r>
+            <a:r>
+              <a:rPr lang="en-US" altLang="ja-JP" dirty="0" smtClean="0"/>
+              <a:t>(</a:t>
+            </a:r>
+            <a:r>
+              <a:rPr lang="ja-JP" altLang="en-US" dirty="0" smtClean="0"/>
+              <a:t>ドル買い</a:t>
+            </a:r>
+            <a:r>
+              <a:rPr lang="en-US" altLang="ja-JP" dirty="0" smtClean="0"/>
+              <a:t>)</a:t>
+            </a:r>
+            <a:r>
+              <a:rPr lang="ja-JP" altLang="en-US" dirty="0" smtClean="0"/>
+              <a:t>が量の供給に寄与</a:t>
+            </a:r>
+            <a:r>
+              <a:rPr lang="en-US" altLang="ja-JP" dirty="0" smtClean="0"/>
+              <a:t>.</a:t>
+            </a:r>
+          </a:p>
+          <a:p>
+            <a:pPr marL="914400" lvl="2" indent="0">
+              <a:buNone/>
+            </a:pPr>
+            <a:r>
+              <a:rPr lang="ja-JP" altLang="en-US" dirty="0" smtClean="0"/>
+              <a:t>→この説は嘘</a:t>
+            </a:r>
+            <a:r>
+              <a:rPr lang="en-US" altLang="ja-JP" dirty="0" smtClean="0"/>
+              <a:t> </a:t>
+            </a:r>
+            <a:r>
+              <a:rPr lang="ja-JP" altLang="en-US" dirty="0" smtClean="0"/>
+              <a:t>∵不胎化介入</a:t>
+            </a:r>
+            <a:r>
+              <a:rPr lang="en-US" altLang="ja-JP" dirty="0" smtClean="0"/>
+              <a:t>(</a:t>
+            </a:r>
+            <a:r>
+              <a:rPr lang="ja-JP" altLang="en-US" dirty="0" smtClean="0"/>
+              <a:t>⇔国債</a:t>
+            </a:r>
+            <a:r>
               <a:rPr lang="ja-JP" altLang="en-US" dirty="0"/>
-              <a:t>国債</a:t>
-            </a:r>
-            <a:r>
-              <a:rPr lang="ja-JP" altLang="en-US" dirty="0" smtClean="0"/>
-              <a:t>の長期化</a:t>
-            </a:r>
-            <a:r>
-              <a:rPr lang="en-US" altLang="ja-JP" dirty="0" smtClean="0"/>
-              <a:t>.</a:t>
-            </a:r>
-            <a:br>
-              <a:rPr lang="en-US" altLang="ja-JP" dirty="0" smtClean="0"/>
-            </a:br>
-            <a:r>
-              <a:rPr lang="ja-JP" altLang="en-US" dirty="0" smtClean="0"/>
-              <a:t>→長いタームものは金利がある程度高いので、下げる余地がある</a:t>
-            </a:r>
-            <a:r>
-              <a:rPr lang="en-US" altLang="ja-JP" dirty="0" smtClean="0"/>
-              <a:t>.</a:t>
-            </a:r>
-            <a:br>
-              <a:rPr lang="en-US" altLang="ja-JP" dirty="0" smtClean="0"/>
-            </a:br>
-            <a:r>
-              <a:rPr lang="ja-JP" altLang="en-US" dirty="0" smtClean="0"/>
-              <a:t>　⇒タームプレミアムの縮小→信用</a:t>
-            </a:r>
-            <a:r>
-              <a:rPr lang="en-US" altLang="ja-JP" dirty="0" smtClean="0"/>
-              <a:t>Spread</a:t>
-            </a:r>
-            <a:r>
-              <a:rPr lang="ja-JP" altLang="en-US" dirty="0" smtClean="0"/>
-              <a:t>の縮小を招いた</a:t>
-            </a:r>
-            <a:r>
-              <a:rPr lang="en-US" altLang="ja-JP" dirty="0" smtClean="0"/>
-              <a:t>.</a:t>
-            </a:r>
-          </a:p>
-          <a:p>
-            <a:pPr lvl="2"/>
-            <a:r>
-              <a:rPr kumimoji="1" lang="ja-JP" altLang="en-US" dirty="0"/>
-              <a:t>あ</a:t>
-            </a:r>
-            <a:endParaRPr kumimoji="1" lang="en-US" altLang="ja-JP" dirty="0" smtClean="0"/>
-          </a:p>
-          <a:p>
-            <a:pPr lvl="1"/>
-            <a:r>
-              <a:rPr lang="en-US" altLang="ja-JP" dirty="0" smtClean="0"/>
-              <a:t>(</a:t>
-            </a:r>
-            <a:r>
-              <a:rPr lang="ja-JP" altLang="en-US" dirty="0" smtClean="0"/>
-              <a:t>中銀が</a:t>
+              <a:t>発行</a:t>
+            </a:r>
+            <a:r>
+              <a:rPr lang="ja-JP" altLang="en-US" dirty="0" smtClean="0"/>
+              <a:t>して、ドル買ってるから</a:t>
             </a:r>
             <a:r>
               <a:rPr lang="en-US" altLang="ja-JP" dirty="0" smtClean="0"/>
               <a:t>)</a:t>
-            </a:r>
-            <a:r>
-              <a:rPr lang="ja-JP" altLang="en-US" dirty="0" smtClean="0"/>
-              <a:t>民間から長期国債を買う</a:t>
-            </a:r>
-            <a:r>
-              <a:rPr lang="en-US" altLang="ja-JP" dirty="0" smtClean="0"/>
-              <a:t>.</a:t>
-            </a:r>
-          </a:p>
-          <a:p>
-            <a:pPr lvl="2"/>
-            <a:r>
-              <a:rPr lang="ja-JP" altLang="en-US" dirty="0" smtClean="0"/>
-              <a:t>多額で・定期的で・クローズな取引</a:t>
-            </a:r>
-            <a:r>
-              <a:rPr lang="en-US" altLang="ja-JP" dirty="0" smtClean="0"/>
-              <a:t>	</a:t>
-            </a:r>
-          </a:p>
-          <a:p>
-            <a:pPr lvl="2"/>
-            <a:r>
-              <a:rPr lang="ja-JP" altLang="en-US" dirty="0" smtClean="0"/>
-              <a:t>民間部門は流動性の薄い国債を放出した</a:t>
-            </a:r>
-            <a:r>
-              <a:rPr lang="en-US" altLang="ja-JP" dirty="0" smtClean="0"/>
-              <a:t>. </a:t>
-            </a:r>
-            <a:r>
-              <a:rPr lang="ja-JP" altLang="en-US" dirty="0" smtClean="0"/>
-              <a:t>⇒ デュレーションの短期化へ</a:t>
-            </a:r>
-            <a:r>
-              <a:rPr lang="en-US" altLang="ja-JP" dirty="0" smtClean="0"/>
-              <a:t>.</a:t>
             </a:r>
             <a:endParaRPr lang="en-US" altLang="ja-JP" dirty="0"/>
           </a:p>
@@ -5603,172 +5894,297 @@
             <p:ph idx="1"/>
           </p:nvPr>
         </p:nvSpPr>
-        <p:spPr/>
-        <p:txBody>
-          <a:bodyPr/>
+        <p:spPr>
+          <a:xfrm>
+            <a:off x="628650" y="828086"/>
+            <a:ext cx="8504998" cy="5741156"/>
+          </a:xfrm>
+        </p:spPr>
+        <p:txBody>
+          <a:bodyPr>
+            <a:normAutofit/>
+          </a:bodyPr>
           <a:lstStyle/>
           <a:p>
             <a:r>
               <a:rPr kumimoji="1" lang="ja-JP" altLang="en-US" dirty="0" smtClean="0"/>
-              <a:t>量の拡大の影響はかなり少ない</a:t>
+              <a:t>量の拡大の影響はかなり</a:t>
+            </a:r>
+            <a:r>
+              <a:rPr kumimoji="1" lang="ja-JP" altLang="en-US" dirty="0" smtClean="0"/>
+              <a:t>少なかった</a:t>
             </a:r>
             <a:r>
               <a:rPr kumimoji="1" lang="en-US" altLang="ja-JP" dirty="0" smtClean="0"/>
               <a:t>.</a:t>
             </a:r>
-          </a:p>
-          <a:p>
-            <a:pPr lvl="1"/>
+            <a:endParaRPr kumimoji="1" lang="en-US" altLang="ja-JP" dirty="0" smtClean="0"/>
+          </a:p>
+          <a:p>
+            <a:pPr marL="800100" lvl="1" indent="-342900">
+              <a:buFont typeface="+mj-lt"/>
+              <a:buAutoNum type="arabicPeriod"/>
+            </a:pPr>
             <a:r>
               <a:rPr lang="ja-JP" altLang="en-US" dirty="0"/>
               <a:t>信用</a:t>
             </a:r>
             <a:r>
               <a:rPr lang="ja-JP" altLang="en-US" dirty="0" smtClean="0"/>
-              <a:t>乗数理論の崩壊</a:t>
-            </a:r>
-            <a:r>
-              <a:rPr lang="en-US" altLang="ja-JP" dirty="0" smtClean="0"/>
-              <a:t/>
-            </a:r>
-            <a:br>
-              <a:rPr lang="en-US" altLang="ja-JP" dirty="0" smtClean="0"/>
-            </a:br>
-            <a:r>
-              <a:rPr lang="en-US" altLang="ja-JP" dirty="0" smtClean="0"/>
-              <a:t>… </a:t>
-            </a:r>
-            <a:r>
-              <a:rPr lang="ja-JP" altLang="en-US" dirty="0" smtClean="0"/>
-              <a:t>マネタリベース拡大しても、マネーサプライ拡大しない！</a:t>
-            </a:r>
-            <a:endParaRPr kumimoji="1" lang="en-US" altLang="ja-JP" dirty="0" smtClean="0"/>
-          </a:p>
-          <a:p>
-            <a:pPr lvl="1"/>
-            <a:r>
-              <a:rPr lang="ja-JP" altLang="en-US" dirty="0" smtClean="0"/>
-              <a:t>ポートフォリオ・リバランス効果</a:t>
-            </a:r>
-            <a:r>
-              <a:rPr lang="en-US" altLang="ja-JP" dirty="0" smtClean="0"/>
-              <a:t/>
-            </a:r>
-            <a:br>
-              <a:rPr lang="en-US" altLang="ja-JP" dirty="0" smtClean="0"/>
-            </a:br>
-            <a:r>
-              <a:rPr lang="en-US" altLang="ja-JP" dirty="0" smtClean="0"/>
-              <a:t> … </a:t>
-            </a:r>
-            <a:r>
-              <a:rPr lang="ja-JP" altLang="en-US" dirty="0" smtClean="0"/>
-              <a:t>リスク資産の購入</a:t>
-            </a:r>
-            <a:r>
-              <a:rPr lang="en-US" altLang="ja-JP" dirty="0"/>
-              <a:t/>
-            </a:r>
-            <a:br>
-              <a:rPr lang="en-US" altLang="ja-JP" dirty="0"/>
-            </a:br>
-            <a:r>
-              <a:rPr lang="ja-JP" altLang="en-US" dirty="0" smtClean="0"/>
-              <a:t>　①金利が低くて、リスク資産へ流入</a:t>
-            </a:r>
-            <a:r>
-              <a:rPr lang="en-US" altLang="ja-JP" dirty="0" smtClean="0"/>
-              <a:t>.</a:t>
-            </a:r>
-            <a:r>
-              <a:rPr lang="en-US" altLang="ja-JP" dirty="0"/>
-              <a:t/>
-            </a:r>
-            <a:br>
-              <a:rPr lang="en-US" altLang="ja-JP" dirty="0"/>
-            </a:br>
-            <a:r>
-              <a:rPr lang="ja-JP" altLang="en-US" dirty="0" smtClean="0"/>
-              <a:t>　②信用</a:t>
-            </a:r>
-            <a:r>
-              <a:rPr lang="en-US" altLang="ja-JP" dirty="0" smtClean="0"/>
-              <a:t>Spread</a:t>
-            </a:r>
-            <a:r>
-              <a:rPr lang="ja-JP" altLang="en-US" dirty="0" smtClean="0"/>
-              <a:t>の縮小</a:t>
-            </a:r>
-            <a:r>
-              <a:rPr lang="en-US" altLang="ja-JP" dirty="0" smtClean="0"/>
-              <a:t>.  </a:t>
-            </a:r>
-            <a:r>
-              <a:rPr lang="ja-JP" altLang="en-US" dirty="0" smtClean="0"/>
-              <a:t>←量拡大ではなく、資産の変化のおかげ</a:t>
-            </a:r>
-            <a:r>
-              <a:rPr lang="en-US" altLang="ja-JP" dirty="0" smtClean="0"/>
-              <a:t>.</a:t>
-            </a:r>
-          </a:p>
-          <a:p>
-            <a:pPr lvl="1"/>
-            <a:r>
-              <a:rPr lang="ja-JP" altLang="en-US" dirty="0"/>
-              <a:t>シグナル</a:t>
-            </a:r>
-            <a:r>
-              <a:rPr lang="ja-JP" altLang="en-US" dirty="0" smtClean="0"/>
-              <a:t>効果</a:t>
-            </a:r>
-            <a:endParaRPr lang="en-US" altLang="ja-JP" dirty="0" smtClean="0"/>
+              <a:t>乗数理論の</a:t>
+            </a:r>
+            <a:r>
+              <a:rPr lang="ja-JP" altLang="en-US" dirty="0" smtClean="0"/>
+              <a:t>崩壊</a:t>
+            </a:r>
+            <a:endParaRPr lang="en-US" altLang="ja-JP" dirty="0"/>
           </a:p>
           <a:p>
             <a:pPr marL="914400" lvl="2" indent="0">
               <a:buNone/>
             </a:pPr>
             <a:r>
-              <a:rPr lang="ja-JP" altLang="en-US" dirty="0" smtClean="0"/>
-              <a:t>「コア</a:t>
-            </a:r>
-            <a:r>
-              <a:rPr lang="en-US" altLang="ja-JP" dirty="0" smtClean="0"/>
-              <a:t>CPI</a:t>
-            </a:r>
-            <a:r>
-              <a:rPr lang="ja-JP" altLang="en-US" dirty="0" smtClean="0"/>
-              <a:t>に基づいて、金融政策を決める」という安心感</a:t>
-            </a:r>
-            <a:r>
-              <a:rPr lang="en-US" altLang="ja-JP" dirty="0" smtClean="0"/>
-              <a:t>.</a:t>
-            </a:r>
-            <a:br>
-              <a:rPr lang="en-US" altLang="ja-JP" dirty="0" smtClean="0"/>
-            </a:br>
-            <a:r>
-              <a:rPr lang="ja-JP" altLang="en-US" dirty="0" smtClean="0"/>
-              <a:t>　⇒だが、この影響も限定的だろう</a:t>
-            </a:r>
-            <a:r>
-              <a:rPr lang="en-US" altLang="ja-JP" dirty="0" smtClean="0"/>
-              <a:t>.</a:t>
-            </a:r>
-          </a:p>
-          <a:p>
-            <a:pPr lvl="1"/>
-            <a:r>
-              <a:rPr lang="ja-JP" altLang="en-US" dirty="0" smtClean="0"/>
-              <a:t>財政支出</a:t>
-            </a:r>
-            <a:endParaRPr lang="en-US" altLang="ja-JP" dirty="0" smtClean="0"/>
+              <a:rPr lang="en-US" altLang="ja-JP" dirty="0" smtClean="0"/>
+              <a:t>… </a:t>
+            </a:r>
+            <a:r>
+              <a:rPr lang="ja-JP" altLang="en-US" dirty="0" smtClean="0"/>
+              <a:t>マネタリベース拡大しても、マネーサプライ拡大</a:t>
+            </a:r>
+            <a:r>
+              <a:rPr lang="ja-JP" altLang="en-US" dirty="0" smtClean="0"/>
+              <a:t>しなかった！</a:t>
+            </a:r>
+            <a:endParaRPr kumimoji="1" lang="en-US" altLang="ja-JP" dirty="0" smtClean="0"/>
+          </a:p>
+          <a:p>
+            <a:pPr marL="800100" lvl="1" indent="-342900">
+              <a:buFont typeface="+mj-lt"/>
+              <a:buAutoNum type="arabicPeriod"/>
+            </a:pPr>
+            <a:r>
+              <a:rPr lang="ja-JP" altLang="en-US" dirty="0" smtClean="0"/>
+              <a:t>ポートフォリオ・リバランス</a:t>
+            </a:r>
+            <a:r>
+              <a:rPr lang="ja-JP" altLang="en-US" dirty="0" smtClean="0"/>
+              <a:t>効果</a:t>
+            </a:r>
+            <a:endParaRPr lang="en-US" altLang="ja-JP" dirty="0"/>
           </a:p>
           <a:p>
             <a:pPr marL="914400" lvl="2" indent="0">
               <a:buNone/>
             </a:pPr>
             <a:r>
+              <a:rPr lang="en-US" altLang="ja-JP" dirty="0" smtClean="0"/>
+              <a:t>… </a:t>
+            </a:r>
+            <a:r>
+              <a:rPr lang="ja-JP" altLang="en-US" dirty="0" smtClean="0"/>
+              <a:t>リスク資産の</a:t>
+            </a:r>
+            <a:r>
+              <a:rPr lang="ja-JP" altLang="en-US" dirty="0" smtClean="0"/>
+              <a:t>購入のこと</a:t>
+            </a:r>
+            <a:endParaRPr lang="en-US" altLang="ja-JP" dirty="0"/>
+          </a:p>
+          <a:p>
+            <a:pPr marL="914400" lvl="2" indent="0">
+              <a:buNone/>
+            </a:pPr>
+            <a:r>
+              <a:rPr lang="ja-JP" altLang="en-US" dirty="0" smtClean="0"/>
+              <a:t>①</a:t>
+            </a:r>
+            <a:r>
+              <a:rPr lang="ja-JP" altLang="en-US" dirty="0" smtClean="0"/>
+              <a:t>金利が低くて</a:t>
+            </a:r>
+            <a:r>
+              <a:rPr lang="ja-JP" altLang="en-US" dirty="0" smtClean="0"/>
+              <a:t>、投資冥利を求めて、リスク</a:t>
+            </a:r>
+            <a:r>
+              <a:rPr lang="ja-JP" altLang="en-US" dirty="0" smtClean="0"/>
+              <a:t>資産</a:t>
+            </a:r>
+            <a:r>
+              <a:rPr lang="ja-JP" altLang="en-US" dirty="0" smtClean="0"/>
+              <a:t>へ資金流入</a:t>
+            </a:r>
+            <a:r>
+              <a:rPr lang="en-US" altLang="ja-JP" dirty="0" smtClean="0"/>
+              <a:t>.</a:t>
+            </a:r>
+            <a:endParaRPr lang="en-US" altLang="ja-JP" dirty="0"/>
+          </a:p>
+          <a:p>
+            <a:pPr marL="914400" lvl="2" indent="0">
+              <a:buNone/>
+            </a:pPr>
+            <a:r>
+              <a:rPr lang="ja-JP" altLang="en-US" dirty="0" smtClean="0"/>
+              <a:t>②</a:t>
+            </a:r>
+            <a:r>
+              <a:rPr lang="ja-JP" altLang="en-US" dirty="0" smtClean="0"/>
+              <a:t>信用</a:t>
+            </a:r>
+            <a:r>
+              <a:rPr lang="en-US" altLang="ja-JP" dirty="0" smtClean="0"/>
+              <a:t>Spread</a:t>
+            </a:r>
+            <a:r>
+              <a:rPr lang="ja-JP" altLang="en-US" dirty="0" smtClean="0"/>
+              <a:t>の縮小</a:t>
+            </a:r>
+            <a:r>
+              <a:rPr lang="en-US" altLang="ja-JP" dirty="0" smtClean="0"/>
+              <a:t>.  </a:t>
+            </a:r>
+            <a:r>
+              <a:rPr lang="ja-JP" altLang="en-US" dirty="0" smtClean="0"/>
+              <a:t>←量拡大ではなく、資産の変化のおかげ</a:t>
+            </a:r>
+            <a:r>
+              <a:rPr lang="en-US" altLang="ja-JP" dirty="0" smtClean="0"/>
+              <a:t>.</a:t>
+            </a:r>
+          </a:p>
+          <a:p>
+            <a:pPr marL="914400" lvl="2" indent="0">
+              <a:buNone/>
+            </a:pPr>
+            <a:r>
+              <a:rPr lang="ja-JP" altLang="en-US" dirty="0"/>
+              <a:t>⇒</a:t>
+            </a:r>
+            <a:r>
+              <a:rPr lang="ja-JP" altLang="en-US" dirty="0" smtClean="0"/>
+              <a:t>時間軸効果</a:t>
+            </a:r>
+            <a:r>
+              <a:rPr lang="en-US" altLang="ja-JP" dirty="0" smtClean="0"/>
+              <a:t>(</a:t>
+            </a:r>
+            <a:r>
+              <a:rPr lang="ja-JP" altLang="en-US" dirty="0" smtClean="0"/>
+              <a:t>短期金利低下</a:t>
+            </a:r>
+            <a:r>
+              <a:rPr lang="en-US" altLang="ja-JP" dirty="0" smtClean="0"/>
+              <a:t>)</a:t>
+            </a:r>
+            <a:r>
+              <a:rPr lang="ja-JP" altLang="en-US" dirty="0" smtClean="0"/>
+              <a:t>により、リスク資産を買わざるを得なくなっただけ</a:t>
+            </a:r>
+            <a:r>
+              <a:rPr lang="en-US" altLang="ja-JP" dirty="0" smtClean="0"/>
+              <a:t>.</a:t>
+            </a:r>
+            <a:endParaRPr lang="en-US" altLang="ja-JP" dirty="0" smtClean="0"/>
+          </a:p>
+          <a:p>
+            <a:pPr marL="800100" lvl="1" indent="-342900">
+              <a:buFont typeface="+mj-lt"/>
+              <a:buAutoNum type="arabicPeriod"/>
+            </a:pPr>
+            <a:r>
+              <a:rPr lang="ja-JP" altLang="en-US" dirty="0"/>
+              <a:t>シグナル</a:t>
+            </a:r>
+            <a:r>
+              <a:rPr lang="ja-JP" altLang="en-US" dirty="0" smtClean="0"/>
+              <a:t>効果</a:t>
+            </a:r>
+            <a:endParaRPr lang="en-US" altLang="ja-JP" dirty="0"/>
+          </a:p>
+          <a:p>
+            <a:pPr marL="914400" lvl="2" indent="0">
+              <a:buNone/>
+            </a:pPr>
+            <a:r>
+              <a:rPr lang="ja-JP" altLang="en-US" dirty="0" smtClean="0"/>
+              <a:t>量拡大が「コア</a:t>
+            </a:r>
+            <a:r>
+              <a:rPr lang="en-US" altLang="ja-JP" dirty="0" smtClean="0"/>
+              <a:t>CPI</a:t>
+            </a:r>
+            <a:r>
+              <a:rPr lang="ja-JP" altLang="en-US" dirty="0" smtClean="0"/>
+              <a:t>に</a:t>
+            </a:r>
+            <a:r>
+              <a:rPr lang="ja-JP" altLang="en-US" dirty="0" smtClean="0"/>
+              <a:t>基づく量的緩和の</a:t>
+            </a:r>
+            <a:r>
+              <a:rPr lang="ja-JP" altLang="en-US" dirty="0" smtClean="0"/>
+              <a:t>持続」が守られる</a:t>
+            </a:r>
+            <a:r>
+              <a:rPr lang="ja-JP" altLang="en-US" dirty="0" smtClean="0"/>
+              <a:t>と</a:t>
+            </a:r>
+            <a:r>
+              <a:rPr lang="ja-JP" altLang="en-US" dirty="0" smtClean="0"/>
+              <a:t>いう安心感</a:t>
+            </a:r>
+            <a:r>
+              <a:rPr lang="en-US" altLang="ja-JP" dirty="0" smtClean="0"/>
+              <a:t>.</a:t>
+            </a:r>
+          </a:p>
+          <a:p>
+            <a:pPr marL="914400" lvl="2" indent="0">
+              <a:buNone/>
+            </a:pPr>
+            <a:r>
+              <a:rPr lang="ja-JP" altLang="en-US" dirty="0" smtClean="0"/>
+              <a:t>　</a:t>
+            </a:r>
+            <a:r>
+              <a:rPr lang="ja-JP" altLang="en-US" dirty="0" smtClean="0"/>
+              <a:t>⇒</a:t>
+            </a:r>
+            <a:r>
+              <a:rPr lang="ja-JP" altLang="en-US" dirty="0" smtClean="0"/>
+              <a:t>この因果関係は限定的</a:t>
+            </a:r>
+            <a:r>
+              <a:rPr lang="en-US" altLang="ja-JP" dirty="0" smtClean="0"/>
+              <a:t>. </a:t>
+            </a:r>
+            <a:r>
+              <a:rPr lang="ja-JP" altLang="en-US" dirty="0" smtClean="0"/>
+              <a:t>”量拡大“の直接的寄与は全くない</a:t>
+            </a:r>
+            <a:r>
+              <a:rPr lang="en-US" altLang="ja-JP" dirty="0" smtClean="0"/>
+              <a:t>.</a:t>
+            </a:r>
+            <a:endParaRPr lang="en-US" altLang="ja-JP" dirty="0" smtClean="0"/>
+          </a:p>
+          <a:p>
+            <a:pPr marL="800100" lvl="1" indent="-342900">
+              <a:buFont typeface="+mj-lt"/>
+              <a:buAutoNum type="arabicPeriod"/>
+            </a:pPr>
+            <a:r>
+              <a:rPr lang="ja-JP" altLang="en-US" dirty="0" smtClean="0"/>
+              <a:t>財政支出</a:t>
+            </a:r>
+            <a:endParaRPr lang="en-US" altLang="ja-JP" dirty="0" smtClean="0"/>
+          </a:p>
+          <a:p>
+            <a:pPr marL="914400" lvl="2" indent="0">
+              <a:buNone/>
+            </a:pPr>
+            <a:r>
               <a:rPr kumimoji="1" lang="ja-JP" altLang="en-US" dirty="0" smtClean="0"/>
               <a:t>理論「国債発行分だけ財政支出を増やせば、デフレ脱却する</a:t>
             </a:r>
@@ -5776,16 +6192,19 @@
               <a:rPr lang="ja-JP" altLang="en-US" dirty="0" smtClean="0"/>
               <a:t>」</a:t>
             </a:r>
-            <a:r>
-              <a:rPr lang="en-US" altLang="ja-JP" dirty="0" smtClean="0"/>
-              <a:t/>
-            </a:r>
-            <a:br>
-              <a:rPr lang="en-US" altLang="ja-JP" dirty="0" smtClean="0"/>
-            </a:br>
-            <a:r>
-              <a:rPr lang="ja-JP" altLang="en-US" dirty="0" smtClean="0"/>
-              <a:t>→但し、実際は、積極的な財政政策はされなかった</a:t>
+            <a:endParaRPr lang="en-US" altLang="ja-JP" dirty="0"/>
+          </a:p>
+          <a:p>
+            <a:pPr marL="914400" lvl="2" indent="0">
+              <a:buNone/>
+            </a:pPr>
+            <a:r>
+              <a:rPr lang="ja-JP" altLang="en-US" dirty="0" smtClean="0"/>
+              <a:t>→</a:t>
+            </a:r>
+            <a:r>
+              <a:rPr lang="ja-JP" altLang="en-US" dirty="0" smtClean="0"/>
+              <a:t>但し、実際は、積極的な財政政策はされなかった</a:t>
             </a:r>
             <a:r>
               <a:rPr lang="en-US" altLang="ja-JP" dirty="0" smtClean="0"/>
@@ -5799,7 +6218,113 @@
             <a:endParaRPr kumimoji="1" lang="en-US" altLang="ja-JP" dirty="0" smtClean="0"/>
           </a:p>
           <a:p>
-            <a:pPr lvl="1"/>
+            <a:pPr marL="0" indent="0">
+              <a:buNone/>
+            </a:pPr>
+            <a:r>
+              <a:rPr kumimoji="1" lang="ja-JP" altLang="en-US" dirty="0" smtClean="0"/>
+              <a:t>⇒ 量的緩和は意味なし</a:t>
+            </a:r>
+            <a:r>
+              <a:rPr kumimoji="1" lang="en-US" altLang="ja-JP" dirty="0" smtClean="0"/>
+              <a:t>. </a:t>
+            </a:r>
+            <a:r>
+              <a:rPr lang="ja-JP" altLang="en-US" dirty="0" smtClean="0"/>
+              <a:t>意味があったのは、</a:t>
+            </a:r>
+            <a:endParaRPr lang="en-US" altLang="ja-JP" dirty="0" smtClean="0"/>
+          </a:p>
+          <a:p>
+            <a:pPr marL="0" indent="0">
+              <a:buNone/>
+            </a:pPr>
+            <a:r>
+              <a:rPr lang="ja-JP" altLang="en-US" dirty="0"/>
+              <a:t>　</a:t>
+            </a:r>
+            <a:r>
+              <a:rPr lang="ja-JP" altLang="en-US" dirty="0" smtClean="0"/>
+              <a:t>「</a:t>
+            </a:r>
+            <a:r>
+              <a:rPr lang="ja-JP" altLang="en-US" u="sng" dirty="0" smtClean="0"/>
+              <a:t>コア</a:t>
+            </a:r>
+            <a:r>
+              <a:rPr lang="en-US" altLang="ja-JP" u="sng" dirty="0" smtClean="0"/>
+              <a:t>CPI</a:t>
+            </a:r>
+            <a:r>
+              <a:rPr lang="ja-JP" altLang="en-US" dirty="0" smtClean="0"/>
+              <a:t>に基づき、</a:t>
+            </a:r>
+            <a:r>
+              <a:rPr lang="ja-JP" altLang="en-US" u="sng" dirty="0" smtClean="0"/>
+              <a:t>安定的に</a:t>
+            </a:r>
+            <a:r>
+              <a:rPr lang="en-US" altLang="ja-JP" dirty="0" smtClean="0"/>
+              <a:t>2%</a:t>
+            </a:r>
+            <a:r>
+              <a:rPr lang="ja-JP" altLang="en-US" dirty="0" smtClean="0"/>
+              <a:t>超えるまで</a:t>
+            </a:r>
+            <a:r>
+              <a:rPr lang="en-US" altLang="ja-JP" dirty="0" smtClean="0"/>
+              <a:t>(</a:t>
+            </a:r>
+            <a:r>
+              <a:rPr lang="ja-JP" altLang="en-US" dirty="0" smtClean="0"/>
+              <a:t>量的</a:t>
+            </a:r>
+            <a:r>
+              <a:rPr lang="en-US" altLang="ja-JP" dirty="0" smtClean="0"/>
+              <a:t>)</a:t>
+            </a:r>
+            <a:r>
+              <a:rPr lang="ja-JP" altLang="en-US" dirty="0" smtClean="0"/>
+              <a:t>緩和を</a:t>
+            </a:r>
+            <a:r>
+              <a:rPr lang="ja-JP" altLang="en-US" u="sng" dirty="0" smtClean="0"/>
+              <a:t>続ける</a:t>
+            </a:r>
+            <a:r>
+              <a:rPr lang="ja-JP" altLang="en-US" dirty="0" smtClean="0"/>
+              <a:t>」</a:t>
+            </a:r>
+            <a:endParaRPr lang="en-US" altLang="ja-JP" dirty="0" smtClean="0"/>
+          </a:p>
+          <a:p>
+            <a:pPr marL="0" indent="0">
+              <a:buNone/>
+            </a:pPr>
+            <a:r>
+              <a:rPr kumimoji="1" lang="en-US" altLang="ja-JP" dirty="0"/>
+              <a:t>	</a:t>
+            </a:r>
+            <a:r>
+              <a:rPr kumimoji="1" lang="en-US" altLang="ja-JP" dirty="0" smtClean="0"/>
+              <a:t>			</a:t>
+            </a:r>
+            <a:r>
+              <a:rPr kumimoji="1" lang="ja-JP" altLang="en-US" dirty="0" smtClean="0"/>
+              <a:t>という約束</a:t>
+            </a:r>
+            <a:r>
+              <a:rPr kumimoji="1" lang="en-US" altLang="ja-JP" dirty="0" smtClean="0"/>
+              <a:t>. (</a:t>
+            </a:r>
+            <a:r>
+              <a:rPr kumimoji="1" lang="ja-JP" altLang="en-US" dirty="0" smtClean="0"/>
+              <a:t>→時間軸効果の発生</a:t>
+            </a:r>
+            <a:r>
+              <a:rPr kumimoji="1" lang="en-US" altLang="ja-JP" dirty="0" smtClean="0"/>
+              <a:t>)</a:t>
+            </a:r>
             <a:endParaRPr kumimoji="1" lang="en-US" altLang="ja-JP" dirty="0"/>
           </a:p>
           <a:p>
@@ -5975,7 +6500,11 @@
             </a:r>
             <a:r>
               <a:rPr lang="ja-JP" altLang="en-US" dirty="0" smtClean="0"/>
-              <a:t>流動性供給</a:t>
+              <a:t>流動性</a:t>
+            </a:r>
+            <a:r>
+              <a:rPr lang="ja-JP" altLang="en-US" dirty="0" smtClean="0"/>
+              <a:t>供給　</a:t>
             </a:r>
             <a:endParaRPr lang="en-US" altLang="ja-JP" dirty="0" smtClean="0"/>
           </a:p>
@@ -7109,7 +7638,7 @@
   <a:extraClrSchemeLst/>
   <a:extLst>
     <a:ext uri="{05A4C25C-085E-4340-85A3-A5531E510DB2}">
-      <thm15:themeFamily xmlns:thm15="http://schemas.microsoft.com/office/thememl/2012/main" xmlns="" name="Office Theme" id="{62F939B6-93AF-4DB8-9C6B-D6C7DFDC589F}" vid="{4A3C46E8-61CC-4603-A589-7422A47A8E4A}"/>
+      <thm15:themeFamily xmlns:thm15="http://schemas.microsoft.com/office/thememl/2012/main" name="Office Theme" id="{62F939B6-93AF-4DB8-9C6B-D6C7DFDC589F}" vid="{4A3C46E8-61CC-4603-A589-7422A47A8E4A}"/>
     </a:ext>
   </a:extLst>
 </a:theme>
@@ -7370,7 +7899,7 @@
   <a:extraClrSchemeLst/>
   <a:extLst>
     <a:ext uri="{05A4C25C-085E-4340-85A3-A5531E510DB2}">
-      <thm15:themeFamily xmlns:thm15="http://schemas.microsoft.com/office/thememl/2012/main" xmlns="" name="Office Theme" id="{62F939B6-93AF-4DB8-9C6B-D6C7DFDC589F}" vid="{4A3C46E8-61CC-4603-A589-7422A47A8E4A}"/>
+      <thm15:themeFamily xmlns:thm15="http://schemas.microsoft.com/office/thememl/2012/main" name="Office Theme" id="{62F939B6-93AF-4DB8-9C6B-D6C7DFDC589F}" vid="{4A3C46E8-61CC-4603-A589-7422A47A8E4A}"/>
     </a:ext>
   </a:extLst>
 </a:theme>
@@ -7631,7 +8160,7 @@
   <a:extraClrSchemeLst/>
   <a:extLst>
     <a:ext uri="{05A4C25C-085E-4340-85A3-A5531E510DB2}">
-      <thm15:themeFamily xmlns:thm15="http://schemas.microsoft.com/office/thememl/2012/main" xmlns="" name="Office Theme" id="{62F939B6-93AF-4DB8-9C6B-D6C7DFDC589F}" vid="{4A3C46E8-61CC-4603-A589-7422A47A8E4A}"/>
+      <thm15:themeFamily xmlns:thm15="http://schemas.microsoft.com/office/thememl/2012/main" name="Office Theme" id="{62F939B6-93AF-4DB8-9C6B-D6C7DFDC589F}" vid="{4A3C46E8-61CC-4603-A589-7422A47A8E4A}"/>
     </a:ext>
   </a:extLst>
 </a:theme>
